--- a/Exploring perth house prices.pptx
+++ b/Exploring perth house prices.pptx
@@ -5,7 +5,7 @@
     <p:sldMasterId id="2147483648" r:id="rId1"/>
   </p:sldMasterIdLst>
   <p:notesMasterIdLst>
-    <p:notesMasterId r:id="rId14"/>
+    <p:notesMasterId r:id="rId15"/>
   </p:notesMasterIdLst>
   <p:sldIdLst>
     <p:sldId id="256" r:id="rId2"/>
@@ -20,6 +20,7 @@
     <p:sldId id="267" r:id="rId11"/>
     <p:sldId id="266" r:id="rId12"/>
     <p:sldId id="272" r:id="rId13"/>
+    <p:sldId id="273" r:id="rId14"/>
   </p:sldIdLst>
   <p:sldSz cx="12192000" cy="6858000"/>
   <p:notesSz cx="6858000" cy="9144000"/>
@@ -1475,7 +1476,7 @@
   <dgm:whole/>
   <dgm:extLst>
     <a:ext uri="http://schemas.microsoft.com/office/drawing/2008/diagram">
-      <dsp:dataModelExt xmlns:dsp="http://schemas.microsoft.com/office/drawing/2008/diagram" relId="rId9" minVer="http://schemas.openxmlformats.org/drawingml/2006/diagram"/>
+      <dsp:dataModelExt xmlns:dsp="http://schemas.microsoft.com/office/drawing/2008/diagram" relId="rId8" minVer="http://schemas.openxmlformats.org/drawingml/2006/diagram"/>
     </a:ext>
   </dgm:extLst>
 </dgm:dataModel>
@@ -3649,7 +3650,7 @@
           <a:p>
             <a:fld id="{C044FC31-B28D-47B3-AEBC-64ECB8F8BE2D}" type="datetimeFigureOut">
               <a:rPr lang="en-AU" smtClean="0"/>
-              <a:t>29/05/2023</a:t>
+              <a:t>30/05/2023</a:t>
             </a:fld>
             <a:endParaRPr lang="en-AU"/>
           </a:p>
@@ -4004,6 +4005,90 @@
 </p:notes>
 </file>
 
+<file path=ppt/notesSlides/notesSlide10.xml><?xml version="1.0" encoding="utf-8"?>
+<p:notes xmlns:a="http://schemas.openxmlformats.org/drawingml/2006/main" xmlns:r="http://schemas.openxmlformats.org/officeDocument/2006/relationships" xmlns:p="http://schemas.openxmlformats.org/presentationml/2006/main">
+  <p:cSld>
+    <p:spTree>
+      <p:nvGrpSpPr>
+        <p:cNvPr id="1" name=""/>
+        <p:cNvGrpSpPr/>
+        <p:nvPr/>
+      </p:nvGrpSpPr>
+      <p:grpSpPr>
+        <a:xfrm>
+          <a:off x="0" y="0"/>
+          <a:ext cx="0" cy="0"/>
+          <a:chOff x="0" y="0"/>
+          <a:chExt cx="0" cy="0"/>
+        </a:xfrm>
+      </p:grpSpPr>
+      <p:sp>
+        <p:nvSpPr>
+          <p:cNvPr id="2" name="Slide Image Placeholder 1"/>
+          <p:cNvSpPr>
+            <a:spLocks noGrp="1" noRot="1" noChangeAspect="1"/>
+          </p:cNvSpPr>
+          <p:nvPr>
+            <p:ph type="sldImg"/>
+          </p:nvPr>
+        </p:nvSpPr>
+        <p:spPr/>
+      </p:sp>
+      <p:sp>
+        <p:nvSpPr>
+          <p:cNvPr id="3" name="Notes Placeholder 2"/>
+          <p:cNvSpPr>
+            <a:spLocks noGrp="1"/>
+          </p:cNvSpPr>
+          <p:nvPr>
+            <p:ph type="body" idx="1"/>
+          </p:nvPr>
+        </p:nvSpPr>
+        <p:spPr/>
+        <p:txBody>
+          <a:bodyPr/>
+          <a:lstStyle/>
+          <a:p>
+            <a:endParaRPr lang="en-AU" dirty="0"/>
+          </a:p>
+        </p:txBody>
+      </p:sp>
+      <p:sp>
+        <p:nvSpPr>
+          <p:cNvPr id="4" name="Slide Number Placeholder 3"/>
+          <p:cNvSpPr>
+            <a:spLocks noGrp="1"/>
+          </p:cNvSpPr>
+          <p:nvPr>
+            <p:ph type="sldNum" sz="quarter" idx="5"/>
+          </p:nvPr>
+        </p:nvSpPr>
+        <p:spPr/>
+        <p:txBody>
+          <a:bodyPr/>
+          <a:lstStyle/>
+          <a:p>
+            <a:fld id="{6A1526D7-69B8-44F2-AC87-DA314CEC5021}" type="slidenum">
+              <a:rPr lang="en-AU" smtClean="0"/>
+              <a:t>13</a:t>
+            </a:fld>
+            <a:endParaRPr lang="en-AU"/>
+          </a:p>
+        </p:txBody>
+      </p:sp>
+    </p:spTree>
+    <p:extLst>
+      <p:ext uri="{BB962C8B-B14F-4D97-AF65-F5344CB8AC3E}">
+        <p14:creationId xmlns:p14="http://schemas.microsoft.com/office/powerpoint/2010/main" val="3191995124"/>
+      </p:ext>
+    </p:extLst>
+  </p:cSld>
+  <p:clrMapOvr>
+    <a:masterClrMapping/>
+  </p:clrMapOvr>
+</p:notes>
+</file>
+
 <file path=ppt/notesSlides/notesSlide2.xml><?xml version="1.0" encoding="utf-8"?>
 <p:notes xmlns:a="http://schemas.openxmlformats.org/drawingml/2006/main" xmlns:r="http://schemas.openxmlformats.org/officeDocument/2006/relationships" xmlns:p="http://schemas.openxmlformats.org/presentationml/2006/main">
   <p:cSld>
@@ -4159,7 +4244,68 @@
                 <a:effectLst/>
                 <a:latin typeface="Consolas" panose="020B0609020204030204" pitchFamily="49" charset="0"/>
               </a:rPr>
-              <a:t>Looking through the information that has been retained, we can make the following observations.</a:t>
+              <a:t>The bedrooms, bathrooms, garage wand </a:t>
+            </a:r>
+            <a:r>
+              <a:rPr lang="en-US" b="0" dirty="0" err="1">
+                <a:solidFill>
+                  <a:srgbClr val="CCCCCC"/>
+                </a:solidFill>
+                <a:effectLst/>
+                <a:latin typeface="Consolas" panose="020B0609020204030204" pitchFamily="49" charset="0"/>
+              </a:rPr>
+              <a:t>floor_area</a:t>
+            </a:r>
+            <a:r>
+              <a:rPr lang="en-US" b="0" dirty="0">
+                <a:solidFill>
+                  <a:srgbClr val="CCCCCC"/>
+                </a:solidFill>
+                <a:effectLst/>
+                <a:latin typeface="Consolas" panose="020B0609020204030204" pitchFamily="49" charset="0"/>
+              </a:rPr>
+              <a:t> columns were all cleaned and any outliers were updated to represent the median value for each column. Floor Area was updated to represent the 25</a:t>
+            </a:r>
+            <a:r>
+              <a:rPr lang="en-US" b="0" baseline="30000" dirty="0">
+                <a:solidFill>
+                  <a:srgbClr val="CCCCCC"/>
+                </a:solidFill>
+                <a:effectLst/>
+                <a:latin typeface="Consolas" panose="020B0609020204030204" pitchFamily="49" charset="0"/>
+              </a:rPr>
+              <a:t>th</a:t>
+            </a:r>
+            <a:r>
+              <a:rPr lang="en-US" b="0" dirty="0">
+                <a:solidFill>
+                  <a:srgbClr val="CCCCCC"/>
+                </a:solidFill>
+                <a:effectLst/>
+                <a:latin typeface="Consolas" panose="020B0609020204030204" pitchFamily="49" charset="0"/>
+              </a:rPr>
+              <a:t> percentile as I believe this would be a better representation of the Floor Area data.</a:t>
+            </a:r>
+          </a:p>
+          <a:p>
+            <a:endParaRPr lang="en-US" b="0" dirty="0">
+              <a:solidFill>
+                <a:srgbClr val="CCCCCC"/>
+              </a:solidFill>
+              <a:effectLst/>
+              <a:latin typeface="Consolas" panose="020B0609020204030204" pitchFamily="49" charset="0"/>
+            </a:endParaRPr>
+          </a:p>
+          <a:p>
+            <a:r>
+              <a:rPr lang="en-US" b="0" dirty="0">
+                <a:solidFill>
+                  <a:srgbClr val="CCCCCC"/>
+                </a:solidFill>
+                <a:effectLst/>
+                <a:latin typeface="Consolas" panose="020B0609020204030204" pitchFamily="49" charset="0"/>
+              </a:rPr>
+              <a:t>Looking through the information, we can make the following observations.</a:t>
             </a:r>
           </a:p>
           <a:p>
@@ -4190,7 +4336,7 @@
                 <a:effectLst/>
                 <a:latin typeface="Consolas" panose="020B0609020204030204" pitchFamily="49" charset="0"/>
               </a:rPr>
-              <a:t> A typical Perth house has 2 bathrooms, 3-4 bedrooms, is built after 1975 with a floor area of around 200sqm, a double garage and is close to schools.</a:t>
+              <a:t> A typical Perth house has 2 bathrooms, 4 bedrooms, is built after 1975 with a floor area of around 200sqm, a double garage and is close to schools.</a:t>
             </a:r>
           </a:p>
           <a:p>
@@ -4221,7 +4367,7 @@
                 <a:effectLst/>
                 <a:latin typeface="Consolas" panose="020B0609020204030204" pitchFamily="49" charset="0"/>
               </a:rPr>
-              <a:t> A house is sold around the $500,000 mark and most likely to be sold in the summer months.</a:t>
+              <a:t> A house is sold around the $500,000 mark and most likely to be sold in the summer months (December and January specifically).</a:t>
             </a:r>
           </a:p>
           <a:p>
@@ -4340,65 +4486,29 @@
           <a:bodyPr/>
           <a:lstStyle/>
           <a:p>
+            <a:pPr marL="0" marR="0" lvl="0" indent="0" algn="l" defTabSz="914400" rtl="0" eaLnBrk="1" fontAlgn="auto" latinLnBrk="0" hangingPunct="1">
+              <a:lnSpc>
+                <a:spcPct val="100000"/>
+              </a:lnSpc>
+              <a:spcBef>
+                <a:spcPts val="0"/>
+              </a:spcBef>
+              <a:spcAft>
+                <a:spcPts val="0"/>
+              </a:spcAft>
+              <a:buClrTx/>
+              <a:buSzTx/>
+              <a:buFontTx/>
+              <a:buNone/>
+              <a:tabLst/>
+              <a:defRPr/>
+            </a:pPr>
             <a:r>
-              <a:rPr lang="en-AU" dirty="0"/>
-              <a:t>When it had come time to decide what model to use for the machine learning I looked back through class notes and decided to go with the Logistic Regression model, however this one did not work very well. It was taking up to 20-25 minutes to run and my scores were rock bottom. I did some research and realised I had chosen poorly, and that Linear Regression was the best suited model to the data set that I was using. Once I made these changes the model ran much better and was able to achieve a good result. </a:t>
+              <a:rPr lang="en-US" dirty="0"/>
+              <a:t>Get_dummies was used to transform these categorical variables into a format suitable for the Machine Learning models which would then produce better performance by the models.</a:t>
             </a:r>
           </a:p>
           <a:p>
-            <a:endParaRPr lang="en-AU" dirty="0"/>
-          </a:p>
-          <a:p>
-            <a:r>
-              <a:rPr lang="en-AU" dirty="0"/>
-              <a:t>I wanted to try at running a second model to see if I could achieve a greater score than I had with the Linear Regression?  I once again chose poorly and went with the Decision Tree Classifier. When it came to creating a confusion matrix I continually was given error after error no matter what I tried.  Through discussion with my instructor, it was decided to try an alternate model.</a:t>
-            </a:r>
-          </a:p>
-          <a:p>
-            <a:endParaRPr lang="en-AU" dirty="0"/>
-          </a:p>
-          <a:p>
-            <a:r>
-              <a:rPr lang="en-AU" dirty="0"/>
-              <a:t>This time I decided to work on a Random Forest Classifier model. Initially I was running with high parameters and reduced these to a lower value. When running the predict model I was getting an error and after some investigation it was discovered that I was running a classifier model and not a regression model, so once I made the changes and ran it as a Deep Forest Regressor Model everything worked and I was able to get a result.</a:t>
-            </a:r>
-          </a:p>
-          <a:p>
-            <a:endParaRPr lang="en-AU" dirty="0"/>
-          </a:p>
-          <a:p>
-            <a:r>
-              <a:rPr lang="en-AU" dirty="0"/>
-              <a:t>It was then that I realised that I had also been running my Decision tree model as a classifier and not as a regressor model. </a:t>
-            </a:r>
-          </a:p>
-          <a:p>
-            <a:endParaRPr lang="en-AU" dirty="0"/>
-          </a:p>
-          <a:p>
-            <a:r>
-              <a:rPr lang="en-AU" dirty="0"/>
-              <a:t>So initially I had planned on running two models and ended up running 3.</a:t>
-            </a:r>
-          </a:p>
-          <a:p>
-            <a:endParaRPr lang="en-AU" dirty="0"/>
-          </a:p>
-          <a:p>
-            <a:r>
-              <a:rPr lang="en-AU" dirty="0"/>
-              <a:t>I ran the StandardScaler For both the Decision Tree and Random Forest models to </a:t>
-            </a:r>
-            <a:r>
-              <a:rPr lang="en-US" b="0" i="0" dirty="0">
-                <a:solidFill>
-                  <a:srgbClr val="D1D5DB"/>
-                </a:solidFill>
-                <a:effectLst/>
-                <a:latin typeface="Söhne"/>
-              </a:rPr>
-              <a:t>standardize the features within the dataframe to help achieve more consistent scales across different features of the data set.</a:t>
-            </a:r>
             <a:endParaRPr lang="en-AU" dirty="0"/>
           </a:p>
         </p:txBody>
@@ -4420,7 +4530,7 @@
           <a:p>
             <a:fld id="{6A1526D7-69B8-44F2-AC87-DA314CEC5021}" type="slidenum">
               <a:rPr lang="en-AU" smtClean="0"/>
-              <a:t>7</a:t>
+              <a:t>6</a:t>
             </a:fld>
             <a:endParaRPr lang="en-AU"/>
           </a:p>
@@ -4429,7 +4539,7 @@
     </p:spTree>
     <p:extLst>
       <p:ext uri="{BB962C8B-B14F-4D97-AF65-F5344CB8AC3E}">
-        <p14:creationId xmlns:p14="http://schemas.microsoft.com/office/powerpoint/2010/main" val="2189194673"/>
+        <p14:creationId xmlns:p14="http://schemas.microsoft.com/office/powerpoint/2010/main" val="2889690774"/>
       </p:ext>
     </p:extLst>
   </p:cSld>
@@ -4485,13 +4595,53 @@
           <a:p>
             <a:r>
               <a:rPr lang="en-AU" dirty="0"/>
-              <a:t>Here we can see the results.</a:t>
+              <a:t>When it had come time to decide what model to use for the machine learning I looked back through class notes and decided to go with the Logistic Regression model, however this one did not work very well. It was taking up to 20-25 minutes to run and my scores were rock bottom. I did some research and realised I had chosen poorly, and that Linear Regression was the best suited model to the data set that I was using. Once I made these changes the model ran much better and was able to achieve a good result. </a:t>
             </a:r>
           </a:p>
           <a:p>
             <a:endParaRPr lang="en-AU" dirty="0"/>
           </a:p>
           <a:p>
+            <a:r>
+              <a:rPr lang="en-AU" dirty="0"/>
+              <a:t>I wanted to try at running a second model to see if I could achieve a greater score than I had with the Linear Regression?  I once again chose poorly and went with the Decision Tree Classifier. When it came to creating a confusion matrix I continually was given error after error no matter what I tried.  Through discussion with my instructor, it was decided to try an alternate model.</a:t>
+            </a:r>
+          </a:p>
+          <a:p>
+            <a:endParaRPr lang="en-AU" dirty="0"/>
+          </a:p>
+          <a:p>
+            <a:r>
+              <a:rPr lang="en-AU" dirty="0"/>
+              <a:t>This time I decided to work on a Random Forest Classifier model. Initially I was running with high parameters and reduced these to a lower value. When running the predict model I was getting an error and after some investigation it was discovered that I was running a classifier model and not a regression model, so once I made the changes and ran it as a Deep Forest Regressor Model everything worked and I was able to get a result.</a:t>
+            </a:r>
+          </a:p>
+          <a:p>
+            <a:endParaRPr lang="en-AU" dirty="0"/>
+          </a:p>
+          <a:p>
+            <a:r>
+              <a:rPr lang="en-AU" dirty="0"/>
+              <a:t>It was then that I realised that I had also been running my Decision tree model as a classifier and not as a regressor model. </a:t>
+            </a:r>
+          </a:p>
+          <a:p>
+            <a:endParaRPr lang="en-AU" dirty="0"/>
+          </a:p>
+          <a:p>
+            <a:r>
+              <a:rPr lang="en-AU" dirty="0"/>
+              <a:t>So initially I had planned on running two models and ended up running 3.</a:t>
+            </a:r>
+          </a:p>
+          <a:p>
+            <a:endParaRPr lang="en-AU" dirty="0"/>
+          </a:p>
+          <a:p>
+            <a:r>
+              <a:rPr lang="en-AU" dirty="0"/>
+              <a:t>I ran the StandardScaler For both the Decision Tree and Random Forest models to </a:t>
+            </a:r>
             <a:r>
               <a:rPr lang="en-US" b="0" i="0" dirty="0">
                 <a:solidFill>
@@ -4500,70 +4650,7 @@
                 <a:effectLst/>
                 <a:latin typeface="Söhne"/>
               </a:rPr>
-              <a:t>The linear regression model has the highest score/R2 value, which indicates a better fit to the data and better performance in explaining the variability of the target variable. </a:t>
-            </a:r>
-          </a:p>
-          <a:p>
-            <a:endParaRPr lang="en-US" b="0" i="0" dirty="0">
-              <a:solidFill>
-                <a:srgbClr val="D1D5DB"/>
-              </a:solidFill>
-              <a:effectLst/>
-              <a:latin typeface="Söhne"/>
-            </a:endParaRPr>
-          </a:p>
-          <a:p>
-            <a:r>
-              <a:rPr lang="en-US" b="0" i="0" dirty="0">
-                <a:solidFill>
-                  <a:srgbClr val="D1D5DB"/>
-                </a:solidFill>
-                <a:effectLst/>
-                <a:latin typeface="Söhne"/>
-              </a:rPr>
-              <a:t>The linear regression model has the lowest MSE, indicating smaller errors in predicting the target variable compared to the other two models. </a:t>
-            </a:r>
-          </a:p>
-          <a:p>
-            <a:endParaRPr lang="en-US" b="0" i="0" dirty="0">
-              <a:solidFill>
-                <a:srgbClr val="D1D5DB"/>
-              </a:solidFill>
-              <a:effectLst/>
-              <a:latin typeface="Söhne"/>
-            </a:endParaRPr>
-          </a:p>
-          <a:p>
-            <a:r>
-              <a:rPr lang="en-US" b="0" i="0" dirty="0">
-                <a:solidFill>
-                  <a:srgbClr val="D1D5DB"/>
-                </a:solidFill>
-                <a:effectLst/>
-                <a:latin typeface="Söhne"/>
-              </a:rPr>
-              <a:t>Similar to the MSE results, the linear regression model has the lowest RMSE value, indicating smaller average errors in prediction. </a:t>
-            </a:r>
-          </a:p>
-          <a:p>
-            <a:endParaRPr lang="en-US" b="0" i="0" dirty="0">
-              <a:solidFill>
-                <a:srgbClr val="D1D5DB"/>
-              </a:solidFill>
-              <a:effectLst/>
-              <a:latin typeface="Söhne"/>
-            </a:endParaRPr>
-          </a:p>
-          <a:p>
-            <a:r>
-              <a:rPr lang="en-US" b="0" i="0" dirty="0">
-                <a:solidFill>
-                  <a:srgbClr val="D1D5DB"/>
-                </a:solidFill>
-                <a:effectLst/>
-                <a:latin typeface="Söhne"/>
-              </a:rPr>
-              <a:t>The standard deviation value appears to be the same for all three models. </a:t>
+              <a:t>standardize the features within the dataframe to help achieve more consistent scales across different features of the data set.</a:t>
             </a:r>
             <a:endParaRPr lang="en-AU" dirty="0"/>
           </a:p>
@@ -4586,7 +4673,7 @@
           <a:p>
             <a:fld id="{6A1526D7-69B8-44F2-AC87-DA314CEC5021}" type="slidenum">
               <a:rPr lang="en-AU" smtClean="0"/>
-              <a:t>8</a:t>
+              <a:t>7</a:t>
             </a:fld>
             <a:endParaRPr lang="en-AU"/>
           </a:p>
@@ -4595,7 +4682,7 @@
     </p:spTree>
     <p:extLst>
       <p:ext uri="{BB962C8B-B14F-4D97-AF65-F5344CB8AC3E}">
-        <p14:creationId xmlns:p14="http://schemas.microsoft.com/office/powerpoint/2010/main" val="2777383789"/>
+        <p14:creationId xmlns:p14="http://schemas.microsoft.com/office/powerpoint/2010/main" val="2189194673"/>
       </p:ext>
     </p:extLst>
   </p:cSld>
@@ -4650,6 +4737,172 @@
           <a:lstStyle/>
           <a:p>
             <a:r>
+              <a:rPr lang="en-AU" dirty="0"/>
+              <a:t>Here we can see the results.</a:t>
+            </a:r>
+          </a:p>
+          <a:p>
+            <a:endParaRPr lang="en-AU" dirty="0"/>
+          </a:p>
+          <a:p>
+            <a:r>
+              <a:rPr lang="en-US" b="0" i="0" dirty="0">
+                <a:solidFill>
+                  <a:srgbClr val="D1D5DB"/>
+                </a:solidFill>
+                <a:effectLst/>
+                <a:latin typeface="Söhne"/>
+              </a:rPr>
+              <a:t>The linear regression model has the highest score/R2 value, which indicates a better fit to the data and better performance in explaining the variability of the target variable. </a:t>
+            </a:r>
+          </a:p>
+          <a:p>
+            <a:endParaRPr lang="en-US" b="0" i="0" dirty="0">
+              <a:solidFill>
+                <a:srgbClr val="D1D5DB"/>
+              </a:solidFill>
+              <a:effectLst/>
+              <a:latin typeface="Söhne"/>
+            </a:endParaRPr>
+          </a:p>
+          <a:p>
+            <a:r>
+              <a:rPr lang="en-US" b="0" i="0" dirty="0">
+                <a:solidFill>
+                  <a:srgbClr val="D1D5DB"/>
+                </a:solidFill>
+                <a:effectLst/>
+                <a:latin typeface="Söhne"/>
+              </a:rPr>
+              <a:t>The linear regression model has the lowest MSE, (Mean Squared Error) indicating smaller errors in predicting the target variable compared to the other two models. </a:t>
+            </a:r>
+          </a:p>
+          <a:p>
+            <a:endParaRPr lang="en-US" b="0" i="0" dirty="0">
+              <a:solidFill>
+                <a:srgbClr val="D1D5DB"/>
+              </a:solidFill>
+              <a:effectLst/>
+              <a:latin typeface="Söhne"/>
+            </a:endParaRPr>
+          </a:p>
+          <a:p>
+            <a:r>
+              <a:rPr lang="en-US" b="0" i="0" dirty="0">
+                <a:solidFill>
+                  <a:srgbClr val="D1D5DB"/>
+                </a:solidFill>
+                <a:effectLst/>
+                <a:latin typeface="Söhne"/>
+              </a:rPr>
+              <a:t>Like the MSE results, the linear regression model has the lowest RMSE (Root Mean Squared Error) value, indicating smaller average errors in prediction. </a:t>
+            </a:r>
+          </a:p>
+          <a:p>
+            <a:endParaRPr lang="en-US" b="0" i="0" dirty="0">
+              <a:solidFill>
+                <a:srgbClr val="D1D5DB"/>
+              </a:solidFill>
+              <a:effectLst/>
+              <a:latin typeface="Söhne"/>
+            </a:endParaRPr>
+          </a:p>
+          <a:p>
+            <a:r>
+              <a:rPr lang="en-US" b="0" i="0" dirty="0">
+                <a:solidFill>
+                  <a:srgbClr val="D1D5DB"/>
+                </a:solidFill>
+                <a:effectLst/>
+                <a:latin typeface="Söhne"/>
+              </a:rPr>
+              <a:t>The standard deviation value is the same for all three models. </a:t>
+            </a:r>
+            <a:endParaRPr lang="en-AU" dirty="0"/>
+          </a:p>
+        </p:txBody>
+      </p:sp>
+      <p:sp>
+        <p:nvSpPr>
+          <p:cNvPr id="4" name="Slide Number Placeholder 3"/>
+          <p:cNvSpPr>
+            <a:spLocks noGrp="1"/>
+          </p:cNvSpPr>
+          <p:nvPr>
+            <p:ph type="sldNum" sz="quarter" idx="5"/>
+          </p:nvPr>
+        </p:nvSpPr>
+        <p:spPr/>
+        <p:txBody>
+          <a:bodyPr/>
+          <a:lstStyle/>
+          <a:p>
+            <a:fld id="{6A1526D7-69B8-44F2-AC87-DA314CEC5021}" type="slidenum">
+              <a:rPr lang="en-AU" smtClean="0"/>
+              <a:t>8</a:t>
+            </a:fld>
+            <a:endParaRPr lang="en-AU"/>
+          </a:p>
+        </p:txBody>
+      </p:sp>
+    </p:spTree>
+    <p:extLst>
+      <p:ext uri="{BB962C8B-B14F-4D97-AF65-F5344CB8AC3E}">
+        <p14:creationId xmlns:p14="http://schemas.microsoft.com/office/powerpoint/2010/main" val="2777383789"/>
+      </p:ext>
+    </p:extLst>
+  </p:cSld>
+  <p:clrMapOvr>
+    <a:masterClrMapping/>
+  </p:clrMapOvr>
+</p:notes>
+</file>
+
+<file path=ppt/notesSlides/notesSlide7.xml><?xml version="1.0" encoding="utf-8"?>
+<p:notes xmlns:a="http://schemas.openxmlformats.org/drawingml/2006/main" xmlns:r="http://schemas.openxmlformats.org/officeDocument/2006/relationships" xmlns:p="http://schemas.openxmlformats.org/presentationml/2006/main">
+  <p:cSld>
+    <p:spTree>
+      <p:nvGrpSpPr>
+        <p:cNvPr id="1" name=""/>
+        <p:cNvGrpSpPr/>
+        <p:nvPr/>
+      </p:nvGrpSpPr>
+      <p:grpSpPr>
+        <a:xfrm>
+          <a:off x="0" y="0"/>
+          <a:ext cx="0" cy="0"/>
+          <a:chOff x="0" y="0"/>
+          <a:chExt cx="0" cy="0"/>
+        </a:xfrm>
+      </p:grpSpPr>
+      <p:sp>
+        <p:nvSpPr>
+          <p:cNvPr id="2" name="Slide Image Placeholder 1"/>
+          <p:cNvSpPr>
+            <a:spLocks noGrp="1" noRot="1" noChangeAspect="1"/>
+          </p:cNvSpPr>
+          <p:nvPr>
+            <p:ph type="sldImg"/>
+          </p:nvPr>
+        </p:nvSpPr>
+        <p:spPr/>
+      </p:sp>
+      <p:sp>
+        <p:nvSpPr>
+          <p:cNvPr id="3" name="Notes Placeholder 2"/>
+          <p:cNvSpPr>
+            <a:spLocks noGrp="1"/>
+          </p:cNvSpPr>
+          <p:nvPr>
+            <p:ph type="body" idx="1"/>
+          </p:nvPr>
+        </p:nvSpPr>
+        <p:spPr/>
+        <p:txBody>
+          <a:bodyPr/>
+          <a:lstStyle/>
+          <a:p>
+            <a:r>
               <a:rPr lang="en-US" b="0" dirty="0">
                 <a:solidFill>
                   <a:srgbClr val="CCCCCC"/>
@@ -4657,7 +4910,7 @@
                 <a:effectLst/>
                 <a:latin typeface="Consolas" panose="020B0609020204030204" pitchFamily="49" charset="0"/>
               </a:rPr>
-              <a:t>Of the 3 Regression Models used the Linear Regression Model was the best performer with a score of 77.27%.</a:t>
+              <a:t>Of the 3 Regression Models used the Linear Regression Model was the best performer with a score of 77.30%.</a:t>
             </a:r>
           </a:p>
           <a:p>
@@ -4759,6 +5012,288 @@
     <p:extLst>
       <p:ext uri="{BB962C8B-B14F-4D97-AF65-F5344CB8AC3E}">
         <p14:creationId xmlns:p14="http://schemas.microsoft.com/office/powerpoint/2010/main" val="3397753601"/>
+      </p:ext>
+    </p:extLst>
+  </p:cSld>
+  <p:clrMapOvr>
+    <a:masterClrMapping/>
+  </p:clrMapOvr>
+</p:notes>
+</file>
+
+<file path=ppt/notesSlides/notesSlide8.xml><?xml version="1.0" encoding="utf-8"?>
+<p:notes xmlns:a="http://schemas.openxmlformats.org/drawingml/2006/main" xmlns:r="http://schemas.openxmlformats.org/officeDocument/2006/relationships" xmlns:p="http://schemas.openxmlformats.org/presentationml/2006/main">
+  <p:cSld>
+    <p:spTree>
+      <p:nvGrpSpPr>
+        <p:cNvPr id="1" name=""/>
+        <p:cNvGrpSpPr/>
+        <p:nvPr/>
+      </p:nvGrpSpPr>
+      <p:grpSpPr>
+        <a:xfrm>
+          <a:off x="0" y="0"/>
+          <a:ext cx="0" cy="0"/>
+          <a:chOff x="0" y="0"/>
+          <a:chExt cx="0" cy="0"/>
+        </a:xfrm>
+      </p:grpSpPr>
+      <p:sp>
+        <p:nvSpPr>
+          <p:cNvPr id="2" name="Slide Image Placeholder 1"/>
+          <p:cNvSpPr>
+            <a:spLocks noGrp="1" noRot="1" noChangeAspect="1"/>
+          </p:cNvSpPr>
+          <p:nvPr>
+            <p:ph type="sldImg"/>
+          </p:nvPr>
+        </p:nvSpPr>
+        <p:spPr/>
+      </p:sp>
+      <p:sp>
+        <p:nvSpPr>
+          <p:cNvPr id="3" name="Notes Placeholder 2"/>
+          <p:cNvSpPr>
+            <a:spLocks noGrp="1"/>
+          </p:cNvSpPr>
+          <p:nvPr>
+            <p:ph type="body" idx="1"/>
+          </p:nvPr>
+        </p:nvSpPr>
+        <p:spPr/>
+        <p:txBody>
+          <a:bodyPr/>
+          <a:lstStyle/>
+          <a:p>
+            <a:r>
+              <a:rPr lang="en-AU" dirty="0"/>
+              <a:t>I chose Tableau to be my main visualisation application as this is an area, I would like to focus on in my future Data Analysis career</a:t>
+            </a:r>
+          </a:p>
+        </p:txBody>
+      </p:sp>
+      <p:sp>
+        <p:nvSpPr>
+          <p:cNvPr id="4" name="Slide Number Placeholder 3"/>
+          <p:cNvSpPr>
+            <a:spLocks noGrp="1"/>
+          </p:cNvSpPr>
+          <p:nvPr>
+            <p:ph type="sldNum" sz="quarter" idx="5"/>
+          </p:nvPr>
+        </p:nvSpPr>
+        <p:spPr/>
+        <p:txBody>
+          <a:bodyPr/>
+          <a:lstStyle/>
+          <a:p>
+            <a:fld id="{6A1526D7-69B8-44F2-AC87-DA314CEC5021}" type="slidenum">
+              <a:rPr lang="en-AU" smtClean="0"/>
+              <a:t>10</a:t>
+            </a:fld>
+            <a:endParaRPr lang="en-AU"/>
+          </a:p>
+        </p:txBody>
+      </p:sp>
+    </p:spTree>
+    <p:extLst>
+      <p:ext uri="{BB962C8B-B14F-4D97-AF65-F5344CB8AC3E}">
+        <p14:creationId xmlns:p14="http://schemas.microsoft.com/office/powerpoint/2010/main" val="3019774781"/>
+      </p:ext>
+    </p:extLst>
+  </p:cSld>
+  <p:clrMapOvr>
+    <a:masterClrMapping/>
+  </p:clrMapOvr>
+</p:notes>
+</file>
+
+<file path=ppt/notesSlides/notesSlide9.xml><?xml version="1.0" encoding="utf-8"?>
+<p:notes xmlns:a="http://schemas.openxmlformats.org/drawingml/2006/main" xmlns:r="http://schemas.openxmlformats.org/officeDocument/2006/relationships" xmlns:p="http://schemas.openxmlformats.org/presentationml/2006/main">
+  <p:cSld>
+    <p:spTree>
+      <p:nvGrpSpPr>
+        <p:cNvPr id="1" name=""/>
+        <p:cNvGrpSpPr/>
+        <p:nvPr/>
+      </p:nvGrpSpPr>
+      <p:grpSpPr>
+        <a:xfrm>
+          <a:off x="0" y="0"/>
+          <a:ext cx="0" cy="0"/>
+          <a:chOff x="0" y="0"/>
+          <a:chExt cx="0" cy="0"/>
+        </a:xfrm>
+      </p:grpSpPr>
+      <p:sp>
+        <p:nvSpPr>
+          <p:cNvPr id="2" name="Slide Image Placeholder 1"/>
+          <p:cNvSpPr>
+            <a:spLocks noGrp="1" noRot="1" noChangeAspect="1"/>
+          </p:cNvSpPr>
+          <p:nvPr>
+            <p:ph type="sldImg"/>
+          </p:nvPr>
+        </p:nvSpPr>
+        <p:spPr/>
+      </p:sp>
+      <p:sp>
+        <p:nvSpPr>
+          <p:cNvPr id="3" name="Notes Placeholder 2"/>
+          <p:cNvSpPr>
+            <a:spLocks noGrp="1"/>
+          </p:cNvSpPr>
+          <p:nvPr>
+            <p:ph type="body" idx="1"/>
+          </p:nvPr>
+        </p:nvSpPr>
+        <p:spPr/>
+        <p:txBody>
+          <a:bodyPr/>
+          <a:lstStyle/>
+          <a:p>
+            <a:r>
+              <a:rPr lang="en-AU" dirty="0"/>
+              <a:t>Dalkeith is the top Selling Suburb with an Average Sale Price of $1.9 million.</a:t>
+            </a:r>
+          </a:p>
+          <a:p>
+            <a:endParaRPr lang="en-AU" dirty="0"/>
+          </a:p>
+          <a:p>
+            <a:r>
+              <a:rPr lang="en-AU" dirty="0"/>
+              <a:t>Both Ave Floor Area and Ave Land Area are represented as scatter plots with Average Bedrooms per house shown as a colour filter. </a:t>
+            </a:r>
+          </a:p>
+          <a:p>
+            <a:endParaRPr lang="en-AU" dirty="0"/>
+          </a:p>
+          <a:p>
+            <a:r>
+              <a:rPr lang="en-AU" dirty="0"/>
+              <a:t>Average Floor Area.</a:t>
+            </a:r>
+          </a:p>
+          <a:p>
+            <a:endParaRPr lang="en-AU" dirty="0"/>
+          </a:p>
+          <a:p>
+            <a:r>
+              <a:rPr lang="en-AU" dirty="0"/>
+              <a:t>This shows that as the Average Floor Area of the house gets larger so to do the bedrooms increase in quantity.</a:t>
+            </a:r>
+          </a:p>
+          <a:p>
+            <a:endParaRPr lang="en-AU" dirty="0"/>
+          </a:p>
+          <a:p>
+            <a:r>
+              <a:rPr lang="en-AU" dirty="0"/>
+              <a:t>Naval Base and Wangara both show as outliers on the Average Floor Area chart.</a:t>
+            </a:r>
+          </a:p>
+          <a:p>
+            <a:endParaRPr lang="en-AU" dirty="0"/>
+          </a:p>
+          <a:p>
+            <a:r>
+              <a:rPr lang="en-AU" dirty="0"/>
+              <a:t>Average Floor Area Median is 180.6 m2</a:t>
+            </a:r>
+          </a:p>
+          <a:p>
+            <a:endParaRPr lang="en-AU" dirty="0"/>
+          </a:p>
+          <a:p>
+            <a:r>
+              <a:rPr lang="en-AU" dirty="0"/>
+              <a:t>Average Floor Area Median Sale Price is $578,074</a:t>
+            </a:r>
+          </a:p>
+          <a:p>
+            <a:endParaRPr lang="en-AU" dirty="0"/>
+          </a:p>
+          <a:p>
+            <a:r>
+              <a:rPr lang="en-AU" dirty="0"/>
+              <a:t>Average Land Area Median is 765 m2</a:t>
+            </a:r>
+          </a:p>
+          <a:p>
+            <a:endParaRPr lang="en-AU" dirty="0"/>
+          </a:p>
+          <a:p>
+            <a:r>
+              <a:rPr lang="en-AU" dirty="0"/>
+              <a:t>Average Sale Price by Build Year shows that homes built pre-1946 tend to have a higher sale price than more modern houses. With a peak of house or houses built in 1943 being sold for an average of $1.85 million</a:t>
+            </a:r>
+          </a:p>
+          <a:p>
+            <a:endParaRPr lang="en-AU" dirty="0"/>
+          </a:p>
+          <a:p>
+            <a:r>
+              <a:rPr lang="en-AU" dirty="0"/>
+              <a:t>Average Sale Price by Year Sold show that since 2006 houses are being sold consistently above $600,000.</a:t>
+            </a:r>
+          </a:p>
+          <a:p>
+            <a:endParaRPr lang="en-AU" dirty="0"/>
+          </a:p>
+          <a:p>
+            <a:r>
+              <a:rPr lang="en-AU" dirty="0"/>
+              <a:t>Swan Valley Senior High School and Kiara College had the highest school counts in the data set. While Midland Station was by far the highest station count.</a:t>
+            </a:r>
+          </a:p>
+          <a:p>
+            <a:endParaRPr lang="en-AU" dirty="0"/>
+          </a:p>
+          <a:p>
+            <a:endParaRPr lang="en-AU" dirty="0"/>
+          </a:p>
+          <a:p>
+            <a:endParaRPr lang="en-AU" dirty="0"/>
+          </a:p>
+          <a:p>
+            <a:endParaRPr lang="en-AU" dirty="0"/>
+          </a:p>
+          <a:p>
+            <a:endParaRPr lang="en-AU" dirty="0"/>
+          </a:p>
+          <a:p>
+            <a:endParaRPr lang="en-AU" dirty="0"/>
+          </a:p>
+        </p:txBody>
+      </p:sp>
+      <p:sp>
+        <p:nvSpPr>
+          <p:cNvPr id="4" name="Slide Number Placeholder 3"/>
+          <p:cNvSpPr>
+            <a:spLocks noGrp="1"/>
+          </p:cNvSpPr>
+          <p:nvPr>
+            <p:ph type="sldNum" sz="quarter" idx="5"/>
+          </p:nvPr>
+        </p:nvSpPr>
+        <p:spPr/>
+        <p:txBody>
+          <a:bodyPr/>
+          <a:lstStyle/>
+          <a:p>
+            <a:fld id="{6A1526D7-69B8-44F2-AC87-DA314CEC5021}" type="slidenum">
+              <a:rPr lang="en-AU" smtClean="0"/>
+              <a:t>12</a:t>
+            </a:fld>
+            <a:endParaRPr lang="en-AU"/>
+          </a:p>
+        </p:txBody>
+      </p:sp>
+    </p:spTree>
+    <p:extLst>
+      <p:ext uri="{BB962C8B-B14F-4D97-AF65-F5344CB8AC3E}">
+        <p14:creationId xmlns:p14="http://schemas.microsoft.com/office/powerpoint/2010/main" val="1539306250"/>
       </p:ext>
     </p:extLst>
   </p:cSld>
@@ -4907,7 +5442,7 @@
           <a:p>
             <a:fld id="{48A87A34-81AB-432B-8DAE-1953F412C126}" type="datetimeFigureOut">
               <a:rPr lang="en-US" dirty="0"/>
-              <a:t>5/29/2023</a:t>
+              <a:t>5/30/2023</a:t>
             </a:fld>
             <a:endParaRPr lang="en-US" dirty="0"/>
           </a:p>
@@ -5113,7 +5648,7 @@
           <a:p>
             <a:fld id="{48A87A34-81AB-432B-8DAE-1953F412C126}" type="datetimeFigureOut">
               <a:rPr lang="en-US" dirty="0"/>
-              <a:t>5/29/2023</a:t>
+              <a:t>5/30/2023</a:t>
             </a:fld>
             <a:endParaRPr lang="en-US" dirty="0"/>
           </a:p>
@@ -5323,7 +5858,7 @@
           <a:p>
             <a:fld id="{48A87A34-81AB-432B-8DAE-1953F412C126}" type="datetimeFigureOut">
               <a:rPr lang="en-US" dirty="0"/>
-              <a:t>5/29/2023</a:t>
+              <a:t>5/30/2023</a:t>
             </a:fld>
             <a:endParaRPr lang="en-US" dirty="0"/>
           </a:p>
@@ -5519,7 +6054,7 @@
           <a:p>
             <a:fld id="{48A87A34-81AB-432B-8DAE-1953F412C126}" type="datetimeFigureOut">
               <a:rPr lang="en-US" dirty="0"/>
-              <a:t>5/29/2023</a:t>
+              <a:t>5/30/2023</a:t>
             </a:fld>
             <a:endParaRPr lang="en-US" dirty="0"/>
           </a:p>
@@ -5793,7 +6328,7 @@
           <a:p>
             <a:fld id="{48A87A34-81AB-432B-8DAE-1953F412C126}" type="datetimeFigureOut">
               <a:rPr lang="en-US" dirty="0"/>
-              <a:t>5/29/2023</a:t>
+              <a:t>5/30/2023</a:t>
             </a:fld>
             <a:endParaRPr lang="en-US" dirty="0"/>
           </a:p>
@@ -6056,7 +6591,7 @@
           <a:p>
             <a:fld id="{48A87A34-81AB-432B-8DAE-1953F412C126}" type="datetimeFigureOut">
               <a:rPr lang="en-US" dirty="0"/>
-              <a:t>5/29/2023</a:t>
+              <a:t>5/30/2023</a:t>
             </a:fld>
             <a:endParaRPr lang="en-US" dirty="0"/>
           </a:p>
@@ -6467,7 +7002,7 @@
           <a:p>
             <a:fld id="{48A87A34-81AB-432B-8DAE-1953F412C126}" type="datetimeFigureOut">
               <a:rPr lang="en-US" dirty="0"/>
-              <a:t>5/29/2023</a:t>
+              <a:t>5/30/2023</a:t>
             </a:fld>
             <a:endParaRPr lang="en-US" dirty="0"/>
           </a:p>
@@ -6611,7 +7146,7 @@
           <a:p>
             <a:fld id="{48A87A34-81AB-432B-8DAE-1953F412C126}" type="datetimeFigureOut">
               <a:rPr lang="en-US" dirty="0"/>
-              <a:t>5/29/2023</a:t>
+              <a:t>5/30/2023</a:t>
             </a:fld>
             <a:endParaRPr lang="en-US" dirty="0"/>
           </a:p>
@@ -6732,7 +7267,7 @@
           <a:p>
             <a:fld id="{48A87A34-81AB-432B-8DAE-1953F412C126}" type="datetimeFigureOut">
               <a:rPr lang="en-US" dirty="0"/>
-              <a:t>5/29/2023</a:t>
+              <a:t>5/30/2023</a:t>
             </a:fld>
             <a:endParaRPr lang="en-US" dirty="0"/>
           </a:p>
@@ -6978,7 +7513,7 @@
           <a:p>
             <a:fld id="{48A87A34-81AB-432B-8DAE-1953F412C126}" type="datetimeFigureOut">
               <a:rPr lang="en-US" dirty="0"/>
-              <a:t>5/29/2023</a:t>
+              <a:t>5/30/2023</a:t>
             </a:fld>
             <a:endParaRPr lang="en-US" dirty="0"/>
           </a:p>
@@ -7419,7 +7954,7 @@
             <a:fld id="{48A87A34-81AB-432B-8DAE-1953F412C126}" type="datetimeFigureOut">
               <a:rPr lang="en-US" dirty="0"/>
               <a:pPr/>
-              <a:t>5/29/2023</a:t>
+              <a:t>5/30/2023</a:t>
             </a:fld>
             <a:endParaRPr lang="en-US" dirty="0"/>
           </a:p>
@@ -7742,7 +8277,7 @@
             <a:fld id="{48A87A34-81AB-432B-8DAE-1953F412C126}" type="datetimeFigureOut">
               <a:rPr lang="en-US" dirty="0"/>
               <a:pPr/>
-              <a:t>5/29/2023</a:t>
+              <a:t>5/30/2023</a:t>
             </a:fld>
             <a:endParaRPr lang="en-US" dirty="0"/>
           </a:p>
@@ -8979,6 +9514,14 @@
 <file path=ppt/slides/slide10.xml><?xml version="1.0" encoding="utf-8"?>
 <p:sld xmlns:a="http://schemas.openxmlformats.org/drawingml/2006/main" xmlns:r="http://schemas.openxmlformats.org/officeDocument/2006/relationships" xmlns:p="http://schemas.openxmlformats.org/presentationml/2006/main">
   <p:cSld>
+    <p:bg>
+      <p:bgPr>
+        <a:solidFill>
+          <a:schemeClr val="bg2"/>
+        </a:solidFill>
+        <a:effectLst/>
+      </p:bgPr>
+    </p:bg>
     <p:spTree>
       <p:nvGrpSpPr>
         <p:cNvPr id="1" name=""/>
@@ -8995,6 +9538,352 @@
       </p:grpSpPr>
       <p:sp>
         <p:nvSpPr>
+          <p:cNvPr id="7" name="Rectangle 6">
+            <a:extLst>
+              <a:ext uri="{FF2B5EF4-FFF2-40B4-BE49-F238E27FC236}">
+                <a16:creationId xmlns:a16="http://schemas.microsoft.com/office/drawing/2014/main" id="{23522FE7-5A29-4EF6-B1EF-2CA55748A772}"/>
+              </a:ext>
+              <a:ext uri="{C183D7F6-B498-43B3-948B-1728B52AA6E4}">
+                <adec:decorative xmlns:adec="http://schemas.microsoft.com/office/drawing/2017/decorative" val="1"/>
+              </a:ext>
+            </a:extLst>
+          </p:cNvPr>
+          <p:cNvSpPr>
+            <a:spLocks noGrp="1" noRot="1" noChangeAspect="1" noMove="1" noResize="1" noEditPoints="1" noAdjustHandles="1" noChangeArrowheads="1" noChangeShapeType="1" noTextEdit="1"/>
+          </p:cNvSpPr>
+          <p:nvPr>
+            <p:extLst>
+              <p:ext uri="{386F3935-93C4-4BCD-93E2-E3B085C9AB24}">
+                <p16:designElem xmlns:p16="http://schemas.microsoft.com/office/powerpoint/2015/main" val="1"/>
+              </p:ext>
+            </p:extLst>
+          </p:nvPr>
+        </p:nvSpPr>
+        <p:spPr>
+          <a:xfrm>
+            <a:off x="0" y="2019476"/>
+            <a:ext cx="12192000" cy="4105941"/>
+          </a:xfrm>
+          <a:prstGeom prst="rect">
+            <a:avLst/>
+          </a:prstGeom>
+          <a:gradFill flip="none" rotWithShape="1">
+            <a:gsLst>
+              <a:gs pos="0">
+                <a:schemeClr val="bg2">
+                  <a:alpha val="0"/>
+                </a:schemeClr>
+              </a:gs>
+              <a:gs pos="100000">
+                <a:schemeClr val="bg2"/>
+              </a:gs>
+            </a:gsLst>
+            <a:lin ang="5400000" scaled="0"/>
+            <a:tileRect/>
+          </a:gradFill>
+          <a:ln>
+            <a:noFill/>
+          </a:ln>
+        </p:spPr>
+        <p:style>
+          <a:lnRef idx="2">
+            <a:schemeClr val="accent1">
+              <a:shade val="50000"/>
+            </a:schemeClr>
+          </a:lnRef>
+          <a:fillRef idx="1">
+            <a:schemeClr val="accent1"/>
+          </a:fillRef>
+          <a:effectRef idx="0">
+            <a:schemeClr val="accent1"/>
+          </a:effectRef>
+          <a:fontRef idx="minor">
+            <a:schemeClr val="lt1"/>
+          </a:fontRef>
+        </p:style>
+      </p:sp>
+      <p:pic>
+        <p:nvPicPr>
+          <p:cNvPr id="9" name="Picture 8">
+            <a:extLst>
+              <a:ext uri="{FF2B5EF4-FFF2-40B4-BE49-F238E27FC236}">
+                <a16:creationId xmlns:a16="http://schemas.microsoft.com/office/drawing/2014/main" id="{C2192E09-EBC7-416C-B887-DFF915D7F43D}"/>
+              </a:ext>
+              <a:ext uri="{C183D7F6-B498-43B3-948B-1728B52AA6E4}">
+                <adec:decorative xmlns:adec="http://schemas.microsoft.com/office/drawing/2017/decorative" val="1"/>
+              </a:ext>
+            </a:extLst>
+          </p:cNvPr>
+          <p:cNvPicPr>
+            <a:picLocks noGrp="1" noRot="1" noChangeAspect="1" noMove="1" noResize="1" noEditPoints="1" noAdjustHandles="1" noChangeArrowheads="1" noChangeShapeType="1" noCrop="1"/>
+          </p:cNvPicPr>
+          <p:nvPr>
+            <p:extLst>
+              <p:ext uri="{386F3935-93C4-4BCD-93E2-E3B085C9AB24}">
+                <p16:designElem xmlns:p16="http://schemas.microsoft.com/office/powerpoint/2015/main" val="1"/>
+              </p:ext>
+            </p:extLst>
+          </p:nvPr>
+        </p:nvPicPr>
+        <p:blipFill rotWithShape="1">
+          <a:blip r:embed="rId3">
+            <a:extLst>
+              <a:ext uri="{28A0092B-C50C-407E-A947-70E740481C1C}">
+                <a14:useLocalDpi xmlns:a14="http://schemas.microsoft.com/office/drawing/2010/main" val="0"/>
+              </a:ext>
+            </a:extLst>
+          </a:blip>
+          <a:srcRect t="1538" b="-1538"/>
+          <a:stretch/>
+        </p:blipFill>
+        <p:spPr bwMode="black">
+          <a:xfrm>
+            <a:off x="0" y="6126480"/>
+            <a:ext cx="12192000" cy="742950"/>
+          </a:xfrm>
+          <a:prstGeom prst="rect">
+            <a:avLst/>
+          </a:prstGeom>
+        </p:spPr>
+      </p:pic>
+      <p:cxnSp>
+        <p:nvCxnSpPr>
+          <p:cNvPr id="11" name="Straight Connector 10">
+            <a:extLst>
+              <a:ext uri="{FF2B5EF4-FFF2-40B4-BE49-F238E27FC236}">
+                <a16:creationId xmlns:a16="http://schemas.microsoft.com/office/drawing/2014/main" id="{2924498D-E084-44BE-A196-CFCE35564350}"/>
+              </a:ext>
+              <a:ext uri="{C183D7F6-B498-43B3-948B-1728B52AA6E4}">
+                <adec:decorative xmlns:adec="http://schemas.microsoft.com/office/drawing/2017/decorative" val="1"/>
+              </a:ext>
+            </a:extLst>
+          </p:cNvPr>
+          <p:cNvCxnSpPr>
+            <a:cxnSpLocks noGrp="1" noRot="1" noChangeAspect="1" noMove="1" noResize="1" noEditPoints="1" noAdjustHandles="1" noChangeArrowheads="1" noChangeShapeType="1"/>
+          </p:cNvCxnSpPr>
+          <p:nvPr>
+            <p:extLst>
+              <p:ext uri="{386F3935-93C4-4BCD-93E2-E3B085C9AB24}">
+                <p16:designElem xmlns:p16="http://schemas.microsoft.com/office/powerpoint/2015/main" val="1"/>
+              </p:ext>
+            </p:extLst>
+          </p:nvPr>
+        </p:nvCxnSpPr>
+        <p:spPr>
+          <a:xfrm>
+            <a:off x="0" y="6128413"/>
+            <a:ext cx="12192000" cy="0"/>
+          </a:xfrm>
+          <a:prstGeom prst="line">
+            <a:avLst/>
+          </a:prstGeom>
+          <a:ln w="12700">
+            <a:solidFill>
+              <a:srgbClr val="000001">
+                <a:alpha val="20000"/>
+              </a:srgbClr>
+            </a:solidFill>
+          </a:ln>
+        </p:spPr>
+        <p:style>
+          <a:lnRef idx="1">
+            <a:schemeClr val="accent1"/>
+          </a:lnRef>
+          <a:fillRef idx="0">
+            <a:schemeClr val="accent1"/>
+          </a:fillRef>
+          <a:effectRef idx="0">
+            <a:schemeClr val="accent1"/>
+          </a:effectRef>
+          <a:fontRef idx="minor">
+            <a:schemeClr val="tx1"/>
+          </a:fontRef>
+        </p:style>
+      </p:cxnSp>
+      <p:cxnSp>
+        <p:nvCxnSpPr>
+          <p:cNvPr id="13" name="Straight Connector 12">
+            <a:extLst>
+              <a:ext uri="{FF2B5EF4-FFF2-40B4-BE49-F238E27FC236}">
+                <a16:creationId xmlns:a16="http://schemas.microsoft.com/office/drawing/2014/main" id="{3BBC7667-C352-4842-9AFD-E5C16AD002F4}"/>
+              </a:ext>
+              <a:ext uri="{C183D7F6-B498-43B3-948B-1728B52AA6E4}">
+                <adec:decorative xmlns:adec="http://schemas.microsoft.com/office/drawing/2017/decorative" val="1"/>
+              </a:ext>
+            </a:extLst>
+          </p:cNvPr>
+          <p:cNvCxnSpPr>
+            <a:cxnSpLocks noGrp="1" noRot="1" noChangeAspect="1" noMove="1" noResize="1" noEditPoints="1" noAdjustHandles="1" noChangeArrowheads="1" noChangeShapeType="1"/>
+          </p:cNvCxnSpPr>
+          <p:nvPr>
+            <p:extLst>
+              <p:ext uri="{386F3935-93C4-4BCD-93E2-E3B085C9AB24}">
+                <p16:designElem xmlns:p16="http://schemas.microsoft.com/office/powerpoint/2015/main" val="1"/>
+              </p:ext>
+            </p:extLst>
+          </p:nvPr>
+        </p:nvCxnSpPr>
+        <p:spPr>
+          <a:xfrm>
+            <a:off x="2417780" y="3528542"/>
+            <a:ext cx="8637072" cy="0"/>
+          </a:xfrm>
+          <a:prstGeom prst="line">
+            <a:avLst/>
+          </a:prstGeom>
+          <a:ln w="31750"/>
+        </p:spPr>
+        <p:style>
+          <a:lnRef idx="3">
+            <a:schemeClr val="accent1"/>
+          </a:lnRef>
+          <a:fillRef idx="0">
+            <a:schemeClr val="accent1"/>
+          </a:fillRef>
+          <a:effectRef idx="2">
+            <a:schemeClr val="accent1"/>
+          </a:effectRef>
+          <a:fontRef idx="minor">
+            <a:schemeClr val="tx1"/>
+          </a:fontRef>
+        </p:style>
+      </p:cxnSp>
+      <p:sp useBgFill="1">
+        <p:nvSpPr>
+          <p:cNvPr id="15" name="Rectangle 14">
+            <a:extLst>
+              <a:ext uri="{FF2B5EF4-FFF2-40B4-BE49-F238E27FC236}">
+                <a16:creationId xmlns:a16="http://schemas.microsoft.com/office/drawing/2014/main" id="{1EE485E7-7D6D-4CB0-A3AD-261D97B2EFEA}"/>
+              </a:ext>
+              <a:ext uri="{C183D7F6-B498-43B3-948B-1728B52AA6E4}">
+                <adec:decorative xmlns:adec="http://schemas.microsoft.com/office/drawing/2017/decorative" val="1"/>
+              </a:ext>
+            </a:extLst>
+          </p:cNvPr>
+          <p:cNvSpPr>
+            <a:spLocks noGrp="1" noRot="1" noChangeAspect="1" noMove="1" noResize="1" noEditPoints="1" noAdjustHandles="1" noChangeArrowheads="1" noChangeShapeType="1" noTextEdit="1"/>
+          </p:cNvSpPr>
+          <p:nvPr>
+            <p:extLst>
+              <p:ext uri="{386F3935-93C4-4BCD-93E2-E3B085C9AB24}">
+                <p16:designElem xmlns:p16="http://schemas.microsoft.com/office/powerpoint/2015/main" val="1"/>
+              </p:ext>
+            </p:extLst>
+          </p:nvPr>
+        </p:nvSpPr>
+        <p:spPr>
+          <a:xfrm>
+            <a:off x="2" y="0"/>
+            <a:ext cx="12191695" cy="6858000"/>
+          </a:xfrm>
+          <a:prstGeom prst="rect">
+            <a:avLst/>
+          </a:prstGeom>
+          <a:ln>
+            <a:noFill/>
+          </a:ln>
+        </p:spPr>
+        <p:style>
+          <a:lnRef idx="2">
+            <a:schemeClr val="accent1">
+              <a:shade val="50000"/>
+            </a:schemeClr>
+          </a:lnRef>
+          <a:fillRef idx="1">
+            <a:schemeClr val="accent1"/>
+          </a:fillRef>
+          <a:effectRef idx="0">
+            <a:schemeClr val="accent1"/>
+          </a:effectRef>
+          <a:fontRef idx="minor">
+            <a:schemeClr val="lt1"/>
+          </a:fontRef>
+        </p:style>
+        <p:txBody>
+          <a:bodyPr rtlCol="0" anchor="ctr"/>
+          <a:lstStyle/>
+          <a:p>
+            <a:pPr algn="ctr"/>
+            <a:endParaRPr lang="en-US"/>
+          </a:p>
+        </p:txBody>
+      </p:sp>
+      <p:sp>
+        <p:nvSpPr>
+          <p:cNvPr id="17" name="Rectangle 16">
+            <a:extLst>
+              <a:ext uri="{FF2B5EF4-FFF2-40B4-BE49-F238E27FC236}">
+                <a16:creationId xmlns:a16="http://schemas.microsoft.com/office/drawing/2014/main" id="{A55E3208-F0C4-4962-8946-065C94F89635}"/>
+              </a:ext>
+              <a:ext uri="{C183D7F6-B498-43B3-948B-1728B52AA6E4}">
+                <adec:decorative xmlns:adec="http://schemas.microsoft.com/office/drawing/2017/decorative" val="1"/>
+              </a:ext>
+            </a:extLst>
+          </p:cNvPr>
+          <p:cNvSpPr>
+            <a:spLocks noGrp="1" noRot="1" noChangeAspect="1" noMove="1" noResize="1" noEditPoints="1" noAdjustHandles="1" noChangeArrowheads="1" noChangeShapeType="1" noTextEdit="1"/>
+          </p:cNvSpPr>
+          <p:nvPr>
+            <p:extLst>
+              <p:ext uri="{386F3935-93C4-4BCD-93E2-E3B085C9AB24}">
+                <p16:designElem xmlns:p16="http://schemas.microsoft.com/office/powerpoint/2015/main" val="1"/>
+              </p:ext>
+            </p:extLst>
+          </p:nvPr>
+        </p:nvSpPr>
+        <p:spPr>
+          <a:xfrm>
+            <a:off x="0" y="2019476"/>
+            <a:ext cx="12192000" cy="4105941"/>
+          </a:xfrm>
+          <a:prstGeom prst="rect">
+            <a:avLst/>
+          </a:prstGeom>
+          <a:gradFill flip="none" rotWithShape="1">
+            <a:gsLst>
+              <a:gs pos="0">
+                <a:schemeClr val="bg2">
+                  <a:alpha val="0"/>
+                </a:schemeClr>
+              </a:gs>
+              <a:gs pos="100000">
+                <a:schemeClr val="bg2"/>
+              </a:gs>
+            </a:gsLst>
+            <a:lin ang="5400000" scaled="0"/>
+            <a:tileRect/>
+          </a:gradFill>
+          <a:ln>
+            <a:noFill/>
+          </a:ln>
+        </p:spPr>
+        <p:style>
+          <a:lnRef idx="2">
+            <a:schemeClr val="accent1">
+              <a:shade val="50000"/>
+            </a:schemeClr>
+          </a:lnRef>
+          <a:fillRef idx="1">
+            <a:schemeClr val="accent1"/>
+          </a:fillRef>
+          <a:effectRef idx="0">
+            <a:schemeClr val="accent1"/>
+          </a:effectRef>
+          <a:fontRef idx="minor">
+            <a:schemeClr val="lt1"/>
+          </a:fontRef>
+        </p:style>
+        <p:txBody>
+          <a:bodyPr rtlCol="0" anchor="ctr"/>
+          <a:lstStyle/>
+          <a:p>
+            <a:pPr lvl="0" algn="ctr"/>
+            <a:endParaRPr lang="en-US" dirty="0"/>
+          </a:p>
+        </p:txBody>
+      </p:sp>
+      <p:sp>
+        <p:nvSpPr>
           <p:cNvPr id="2" name="Title 1">
             <a:extLst>
               <a:ext uri="{FF2B5EF4-FFF2-40B4-BE49-F238E27FC236}">
@@ -9009,44 +9898,178 @@
             <p:ph type="title"/>
           </p:nvPr>
         </p:nvSpPr>
-        <p:spPr/>
+        <p:spPr>
+          <a:xfrm>
+            <a:off x="5140235" y="1027937"/>
+            <a:ext cx="6083708" cy="3711894"/>
+          </a:xfrm>
+        </p:spPr>
         <p:txBody>
-          <a:bodyPr/>
+          <a:bodyPr vert="horz" lIns="91440" tIns="45720" rIns="91440" bIns="0" rtlCol="0" anchor="ctr">
+            <a:normAutofit/>
+          </a:bodyPr>
           <a:lstStyle/>
           <a:p>
             <a:r>
-              <a:rPr lang="en-US" dirty="0"/>
-              <a:t>objective</a:t>
+              <a:rPr lang="en-US" sz="5400"/>
+              <a:t>Tableau </a:t>
             </a:r>
-            <a:endParaRPr lang="en-AU" dirty="0"/>
+            <a:br>
+              <a:rPr lang="en-US" sz="5400"/>
+            </a:br>
+            <a:r>
+              <a:rPr lang="en-US" sz="5400"/>
+              <a:t>visualisations</a:t>
+            </a:r>
           </a:p>
         </p:txBody>
       </p:sp>
-      <p:sp>
-        <p:nvSpPr>
-          <p:cNvPr id="3" name="Content Placeholder 2">
+      <p:cxnSp>
+        <p:nvCxnSpPr>
+          <p:cNvPr id="19" name="Straight Connector 18">
             <a:extLst>
               <a:ext uri="{FF2B5EF4-FFF2-40B4-BE49-F238E27FC236}">
-                <a16:creationId xmlns:a16="http://schemas.microsoft.com/office/drawing/2014/main" id="{50EB7F42-1D17-E5BF-B407-3152C97FDCF7}"/>
+                <a16:creationId xmlns:a16="http://schemas.microsoft.com/office/drawing/2014/main" id="{4FAE17D3-C2DC-4665-AF20-33C5BACD5E01}"/>
+              </a:ext>
+              <a:ext uri="{C183D7F6-B498-43B3-948B-1728B52AA6E4}">
+                <adec:decorative xmlns:adec="http://schemas.microsoft.com/office/drawing/2017/decorative" val="1"/>
               </a:ext>
             </a:extLst>
           </p:cNvPr>
-          <p:cNvSpPr>
-            <a:spLocks noGrp="1"/>
-          </p:cNvSpPr>
-          <p:nvPr>
-            <p:ph idx="1"/>
-          </p:nvPr>
-        </p:nvSpPr>
-        <p:spPr/>
-        <p:txBody>
-          <a:bodyPr/>
-          <a:lstStyle/>
-          <a:p>
-            <a:endParaRPr lang="en-AU" dirty="0"/>
-          </a:p>
-        </p:txBody>
-      </p:sp>
+          <p:cNvCxnSpPr>
+            <a:cxnSpLocks noGrp="1" noRot="1" noChangeAspect="1" noMove="1" noResize="1" noEditPoints="1" noAdjustHandles="1" noChangeArrowheads="1" noChangeShapeType="1"/>
+          </p:cNvCxnSpPr>
+          <p:nvPr>
+            <p:extLst>
+              <p:ext uri="{386F3935-93C4-4BCD-93E2-E3B085C9AB24}">
+                <p16:designElem xmlns:p16="http://schemas.microsoft.com/office/powerpoint/2015/main" val="1"/>
+              </p:ext>
+            </p:extLst>
+          </p:nvPr>
+        </p:nvCxnSpPr>
+        <p:spPr>
+          <a:xfrm>
+            <a:off x="4654296" y="1375124"/>
+            <a:ext cx="0" cy="3017520"/>
+          </a:xfrm>
+          <a:prstGeom prst="line">
+            <a:avLst/>
+          </a:prstGeom>
+          <a:ln w="31750"/>
+        </p:spPr>
+        <p:style>
+          <a:lnRef idx="1">
+            <a:schemeClr val="accent1"/>
+          </a:lnRef>
+          <a:fillRef idx="0">
+            <a:schemeClr val="accent1"/>
+          </a:fillRef>
+          <a:effectRef idx="0">
+            <a:schemeClr val="accent1"/>
+          </a:effectRef>
+          <a:fontRef idx="minor">
+            <a:schemeClr val="tx1"/>
+          </a:fontRef>
+        </p:style>
+      </p:cxnSp>
+      <p:pic>
+        <p:nvPicPr>
+          <p:cNvPr id="21" name="Picture 20">
+            <a:extLst>
+              <a:ext uri="{FF2B5EF4-FFF2-40B4-BE49-F238E27FC236}">
+                <a16:creationId xmlns:a16="http://schemas.microsoft.com/office/drawing/2014/main" id="{7021C573-B3FF-44B8-A5DE-AB39E9AA6B96}"/>
+              </a:ext>
+              <a:ext uri="{C183D7F6-B498-43B3-948B-1728B52AA6E4}">
+                <adec:decorative xmlns:adec="http://schemas.microsoft.com/office/drawing/2017/decorative" val="1"/>
+              </a:ext>
+            </a:extLst>
+          </p:cNvPr>
+          <p:cNvPicPr>
+            <a:picLocks noGrp="1" noRot="1" noChangeAspect="1" noMove="1" noResize="1" noEditPoints="1" noAdjustHandles="1" noChangeArrowheads="1" noChangeShapeType="1" noCrop="1"/>
+          </p:cNvPicPr>
+          <p:nvPr>
+            <p:extLst>
+              <p:ext uri="{386F3935-93C4-4BCD-93E2-E3B085C9AB24}">
+                <p16:designElem xmlns:p16="http://schemas.microsoft.com/office/powerpoint/2015/main" val="1"/>
+              </p:ext>
+            </p:extLst>
+          </p:nvPr>
+        </p:nvPicPr>
+        <p:blipFill rotWithShape="1">
+          <a:blip r:embed="rId3">
+            <a:extLst>
+              <a:ext uri="{28A0092B-C50C-407E-A947-70E740481C1C}">
+                <a14:useLocalDpi xmlns:a14="http://schemas.microsoft.com/office/drawing/2010/main" val="0"/>
+              </a:ext>
+            </a:extLst>
+          </a:blip>
+          <a:srcRect t="1538" b="-1538"/>
+          <a:stretch/>
+        </p:blipFill>
+        <p:spPr bwMode="black">
+          <a:xfrm>
+            <a:off x="0" y="6126480"/>
+            <a:ext cx="12192000" cy="742950"/>
+          </a:xfrm>
+          <a:prstGeom prst="rect">
+            <a:avLst/>
+          </a:prstGeom>
+        </p:spPr>
+      </p:pic>
+      <p:cxnSp>
+        <p:nvCxnSpPr>
+          <p:cNvPr id="23" name="Straight Connector 22">
+            <a:extLst>
+              <a:ext uri="{FF2B5EF4-FFF2-40B4-BE49-F238E27FC236}">
+                <a16:creationId xmlns:a16="http://schemas.microsoft.com/office/drawing/2014/main" id="{50B0CCD4-E9B0-43B2-806F-05EDF57A7628}"/>
+              </a:ext>
+              <a:ext uri="{C183D7F6-B498-43B3-948B-1728B52AA6E4}">
+                <adec:decorative xmlns:adec="http://schemas.microsoft.com/office/drawing/2017/decorative" val="1"/>
+              </a:ext>
+            </a:extLst>
+          </p:cNvPr>
+          <p:cNvCxnSpPr>
+            <a:cxnSpLocks noGrp="1" noRot="1" noChangeAspect="1" noMove="1" noResize="1" noEditPoints="1" noAdjustHandles="1" noChangeArrowheads="1" noChangeShapeType="1"/>
+          </p:cNvCxnSpPr>
+          <p:nvPr>
+            <p:extLst>
+              <p:ext uri="{386F3935-93C4-4BCD-93E2-E3B085C9AB24}">
+                <p16:designElem xmlns:p16="http://schemas.microsoft.com/office/powerpoint/2015/main" val="1"/>
+              </p:ext>
+            </p:extLst>
+          </p:nvPr>
+        </p:nvCxnSpPr>
+        <p:spPr>
+          <a:xfrm>
+            <a:off x="0" y="6128413"/>
+            <a:ext cx="12192000" cy="0"/>
+          </a:xfrm>
+          <a:prstGeom prst="line">
+            <a:avLst/>
+          </a:prstGeom>
+          <a:ln w="12700">
+            <a:solidFill>
+              <a:srgbClr val="000001">
+                <a:alpha val="20000"/>
+              </a:srgbClr>
+            </a:solidFill>
+          </a:ln>
+        </p:spPr>
+        <p:style>
+          <a:lnRef idx="1">
+            <a:schemeClr val="accent1"/>
+          </a:lnRef>
+          <a:fillRef idx="0">
+            <a:schemeClr val="accent1"/>
+          </a:fillRef>
+          <a:effectRef idx="0">
+            <a:schemeClr val="accent1"/>
+          </a:effectRef>
+          <a:fontRef idx="minor">
+            <a:schemeClr val="tx1"/>
+          </a:fontRef>
+        </p:style>
+      </p:cxnSp>
     </p:spTree>
     <p:extLst>
       <p:ext uri="{BB962C8B-B14F-4D97-AF65-F5344CB8AC3E}">
@@ -10039,11 +11062,7 @@
           <a:p>
             <a:r>
               <a:rPr lang="en-US" dirty="0"/>
-              <a:t>Tableau </a:t>
-            </a:r>
-            <a:r>
-              <a:rPr lang="en-US" dirty="0" err="1"/>
-              <a:t>visualisations</a:t>
+              <a:t>Tableau visualisations</a:t>
             </a:r>
             <a:endParaRPr lang="en-AU" dirty="0"/>
           </a:p>
@@ -10066,7 +11085,7 @@
           </p:nvPr>
         </p:nvPicPr>
         <p:blipFill>
-          <a:blip r:embed="rId2"/>
+          <a:blip r:embed="rId3"/>
           <a:stretch>
             <a:fillRect/>
           </a:stretch>
@@ -10082,6 +11101,712 @@
     <p:extLst>
       <p:ext uri="{BB962C8B-B14F-4D97-AF65-F5344CB8AC3E}">
         <p14:creationId xmlns:p14="http://schemas.microsoft.com/office/powerpoint/2010/main" val="146719654"/>
+      </p:ext>
+    </p:extLst>
+  </p:cSld>
+  <p:clrMapOvr>
+    <a:masterClrMapping/>
+  </p:clrMapOvr>
+</p:sld>
+</file>
+
+<file path=ppt/slides/slide13.xml><?xml version="1.0" encoding="utf-8"?>
+<p:sld xmlns:a="http://schemas.openxmlformats.org/drawingml/2006/main" xmlns:r="http://schemas.openxmlformats.org/officeDocument/2006/relationships" xmlns:p="http://schemas.openxmlformats.org/presentationml/2006/main">
+  <p:cSld>
+    <p:bg>
+      <p:bgPr>
+        <a:gradFill rotWithShape="1">
+          <a:gsLst>
+            <a:gs pos="0">
+              <a:schemeClr val="bg2">
+                <a:tint val="94000"/>
+                <a:satMod val="80000"/>
+                <a:lumMod val="106000"/>
+              </a:schemeClr>
+            </a:gs>
+            <a:gs pos="100000">
+              <a:schemeClr val="bg2">
+                <a:shade val="80000"/>
+              </a:schemeClr>
+            </a:gs>
+          </a:gsLst>
+          <a:path path="circle">
+            <a:fillToRect l="43000" r="43000" b="100000"/>
+          </a:path>
+        </a:gradFill>
+        <a:effectLst/>
+      </p:bgPr>
+    </p:bg>
+    <p:spTree>
+      <p:nvGrpSpPr>
+        <p:cNvPr id="1" name=""/>
+        <p:cNvGrpSpPr/>
+        <p:nvPr/>
+      </p:nvGrpSpPr>
+      <p:grpSpPr>
+        <a:xfrm>
+          <a:off x="0" y="0"/>
+          <a:ext cx="0" cy="0"/>
+          <a:chOff x="0" y="0"/>
+          <a:chExt cx="0" cy="0"/>
+        </a:xfrm>
+      </p:grpSpPr>
+      <p:sp useBgFill="1">
+        <p:nvSpPr>
+          <p:cNvPr id="10" name="Rectangle 9">
+            <a:extLst>
+              <a:ext uri="{FF2B5EF4-FFF2-40B4-BE49-F238E27FC236}">
+                <a16:creationId xmlns:a16="http://schemas.microsoft.com/office/drawing/2014/main" id="{56412368-7E6B-4064-B6FA-72DF6DA0C2DB}"/>
+              </a:ext>
+              <a:ext uri="{C183D7F6-B498-43B3-948B-1728B52AA6E4}">
+                <adec:decorative xmlns:adec="http://schemas.microsoft.com/office/drawing/2017/decorative" val="1"/>
+              </a:ext>
+            </a:extLst>
+          </p:cNvPr>
+          <p:cNvSpPr>
+            <a:spLocks noGrp="1" noRot="1" noChangeAspect="1" noMove="1" noResize="1" noEditPoints="1" noAdjustHandles="1" noChangeArrowheads="1" noChangeShapeType="1" noTextEdit="1"/>
+          </p:cNvSpPr>
+          <p:nvPr>
+            <p:extLst>
+              <p:ext uri="{386F3935-93C4-4BCD-93E2-E3B085C9AB24}">
+                <p16:designElem xmlns:p16="http://schemas.microsoft.com/office/powerpoint/2015/main" val="1"/>
+              </p:ext>
+            </p:extLst>
+          </p:nvPr>
+        </p:nvSpPr>
+        <p:spPr>
+          <a:xfrm>
+            <a:off x="2" y="0"/>
+            <a:ext cx="12191695" cy="6858000"/>
+          </a:xfrm>
+          <a:prstGeom prst="rect">
+            <a:avLst/>
+          </a:prstGeom>
+          <a:ln>
+            <a:noFill/>
+          </a:ln>
+        </p:spPr>
+        <p:style>
+          <a:lnRef idx="2">
+            <a:schemeClr val="accent1">
+              <a:shade val="50000"/>
+            </a:schemeClr>
+          </a:lnRef>
+          <a:fillRef idx="1">
+            <a:schemeClr val="accent1"/>
+          </a:fillRef>
+          <a:effectRef idx="0">
+            <a:schemeClr val="accent1"/>
+          </a:effectRef>
+          <a:fontRef idx="minor">
+            <a:schemeClr val="lt1"/>
+          </a:fontRef>
+        </p:style>
+        <p:txBody>
+          <a:bodyPr rtlCol="0" anchor="ctr"/>
+          <a:lstStyle/>
+          <a:p>
+            <a:pPr algn="ctr"/>
+            <a:endParaRPr lang="en-US"/>
+          </a:p>
+        </p:txBody>
+      </p:sp>
+      <p:sp>
+        <p:nvSpPr>
+          <p:cNvPr id="12" name="Rectangle 11">
+            <a:extLst>
+              <a:ext uri="{FF2B5EF4-FFF2-40B4-BE49-F238E27FC236}">
+                <a16:creationId xmlns:a16="http://schemas.microsoft.com/office/drawing/2014/main" id="{8014FE20-9BCC-4219-A8AD-B1C110BD558D}"/>
+              </a:ext>
+              <a:ext uri="{C183D7F6-B498-43B3-948B-1728B52AA6E4}">
+                <adec:decorative xmlns:adec="http://schemas.microsoft.com/office/drawing/2017/decorative" val="1"/>
+              </a:ext>
+            </a:extLst>
+          </p:cNvPr>
+          <p:cNvSpPr>
+            <a:spLocks noGrp="1" noRot="1" noChangeAspect="1" noMove="1" noResize="1" noEditPoints="1" noAdjustHandles="1" noChangeArrowheads="1" noChangeShapeType="1" noTextEdit="1"/>
+          </p:cNvSpPr>
+          <p:nvPr>
+            <p:extLst>
+              <p:ext uri="{386F3935-93C4-4BCD-93E2-E3B085C9AB24}">
+                <p16:designElem xmlns:p16="http://schemas.microsoft.com/office/powerpoint/2015/main" val="1"/>
+              </p:ext>
+            </p:extLst>
+          </p:nvPr>
+        </p:nvSpPr>
+        <p:spPr>
+          <a:xfrm>
+            <a:off x="0" y="2019476"/>
+            <a:ext cx="12192000" cy="4105941"/>
+          </a:xfrm>
+          <a:prstGeom prst="rect">
+            <a:avLst/>
+          </a:prstGeom>
+          <a:gradFill flip="none" rotWithShape="1">
+            <a:gsLst>
+              <a:gs pos="0">
+                <a:schemeClr val="bg2">
+                  <a:alpha val="0"/>
+                </a:schemeClr>
+              </a:gs>
+              <a:gs pos="100000">
+                <a:schemeClr val="bg2"/>
+              </a:gs>
+            </a:gsLst>
+            <a:lin ang="5400000" scaled="0"/>
+            <a:tileRect/>
+          </a:gradFill>
+          <a:ln>
+            <a:noFill/>
+          </a:ln>
+        </p:spPr>
+        <p:style>
+          <a:lnRef idx="2">
+            <a:schemeClr val="accent1">
+              <a:shade val="50000"/>
+            </a:schemeClr>
+          </a:lnRef>
+          <a:fillRef idx="1">
+            <a:schemeClr val="accent1"/>
+          </a:fillRef>
+          <a:effectRef idx="0">
+            <a:schemeClr val="accent1"/>
+          </a:effectRef>
+          <a:fontRef idx="minor">
+            <a:schemeClr val="lt1"/>
+          </a:fontRef>
+        </p:style>
+        <p:txBody>
+          <a:bodyPr rtlCol="0" anchor="ctr"/>
+          <a:lstStyle/>
+          <a:p>
+            <a:pPr lvl="0" algn="ctr"/>
+            <a:endParaRPr lang="en-US"/>
+          </a:p>
+        </p:txBody>
+      </p:sp>
+      <p:sp>
+        <p:nvSpPr>
+          <p:cNvPr id="2" name="Title 1">
+            <a:extLst>
+              <a:ext uri="{FF2B5EF4-FFF2-40B4-BE49-F238E27FC236}">
+                <a16:creationId xmlns:a16="http://schemas.microsoft.com/office/drawing/2014/main" id="{07877A09-01AA-528A-F683-EC32FC2B2DB8}"/>
+              </a:ext>
+            </a:extLst>
+          </p:cNvPr>
+          <p:cNvSpPr>
+            <a:spLocks noGrp="1"/>
+          </p:cNvSpPr>
+          <p:nvPr>
+            <p:ph type="ctrTitle"/>
+          </p:nvPr>
+        </p:nvSpPr>
+        <p:spPr>
+          <a:xfrm>
+            <a:off x="1452617" y="976508"/>
+            <a:ext cx="5525305" cy="2367221"/>
+          </a:xfrm>
+        </p:spPr>
+        <p:txBody>
+          <a:bodyPr>
+            <a:normAutofit/>
+          </a:bodyPr>
+          <a:lstStyle/>
+          <a:p>
+            <a:r>
+              <a:rPr lang="en-AU" sz="5400"/>
+              <a:t>The end</a:t>
+            </a:r>
+          </a:p>
+        </p:txBody>
+      </p:sp>
+      <p:sp>
+        <p:nvSpPr>
+          <p:cNvPr id="3" name="Subtitle 2">
+            <a:extLst>
+              <a:ext uri="{FF2B5EF4-FFF2-40B4-BE49-F238E27FC236}">
+                <a16:creationId xmlns:a16="http://schemas.microsoft.com/office/drawing/2014/main" id="{7FD60024-3169-0CE2-F7F5-33A1094FE3EB}"/>
+              </a:ext>
+            </a:extLst>
+          </p:cNvPr>
+          <p:cNvSpPr>
+            <a:spLocks noGrp="1"/>
+          </p:cNvSpPr>
+          <p:nvPr>
+            <p:ph type="subTitle" idx="1"/>
+          </p:nvPr>
+        </p:nvSpPr>
+        <p:spPr>
+          <a:xfrm>
+            <a:off x="1452617" y="3531204"/>
+            <a:ext cx="5530919" cy="1606576"/>
+          </a:xfrm>
+        </p:spPr>
+        <p:txBody>
+          <a:bodyPr>
+            <a:normAutofit/>
+          </a:bodyPr>
+          <a:lstStyle/>
+          <a:p>
+            <a:r>
+              <a:rPr lang="en-AU"/>
+              <a:t>Any questions??</a:t>
+            </a:r>
+            <a:endParaRPr lang="en-AU" dirty="0"/>
+          </a:p>
+        </p:txBody>
+      </p:sp>
+      <p:cxnSp>
+        <p:nvCxnSpPr>
+          <p:cNvPr id="14" name="Straight Connector 13">
+            <a:extLst>
+              <a:ext uri="{FF2B5EF4-FFF2-40B4-BE49-F238E27FC236}">
+                <a16:creationId xmlns:a16="http://schemas.microsoft.com/office/drawing/2014/main" id="{A661C966-C6C8-4667-903D-E68521C357FC}"/>
+              </a:ext>
+              <a:ext uri="{C183D7F6-B498-43B3-948B-1728B52AA6E4}">
+                <adec:decorative xmlns:adec="http://schemas.microsoft.com/office/drawing/2017/decorative" val="1"/>
+              </a:ext>
+            </a:extLst>
+          </p:cNvPr>
+          <p:cNvCxnSpPr>
+            <a:cxnSpLocks noGrp="1" noRot="1" noChangeAspect="1" noMove="1" noResize="1" noEditPoints="1" noAdjustHandles="1" noChangeArrowheads="1" noChangeShapeType="1"/>
+          </p:cNvCxnSpPr>
+          <p:nvPr>
+            <p:extLst>
+              <p:ext uri="{386F3935-93C4-4BCD-93E2-E3B085C9AB24}">
+                <p16:designElem xmlns:p16="http://schemas.microsoft.com/office/powerpoint/2015/main" val="1"/>
+              </p:ext>
+            </p:extLst>
+          </p:nvPr>
+        </p:nvCxnSpPr>
+        <p:spPr>
+          <a:xfrm>
+            <a:off x="1452618" y="3528543"/>
+            <a:ext cx="5536119" cy="0"/>
+          </a:xfrm>
+          <a:prstGeom prst="line">
+            <a:avLst/>
+          </a:prstGeom>
+          <a:ln w="31750"/>
+        </p:spPr>
+        <p:style>
+          <a:lnRef idx="3">
+            <a:schemeClr val="accent1"/>
+          </a:lnRef>
+          <a:fillRef idx="0">
+            <a:schemeClr val="accent1"/>
+          </a:fillRef>
+          <a:effectRef idx="2">
+            <a:schemeClr val="accent1"/>
+          </a:effectRef>
+          <a:fontRef idx="minor">
+            <a:schemeClr val="tx1"/>
+          </a:fontRef>
+        </p:style>
+      </p:cxnSp>
+      <p:grpSp>
+        <p:nvGrpSpPr>
+          <p:cNvPr id="16" name="Group 15">
+            <a:extLst>
+              <a:ext uri="{FF2B5EF4-FFF2-40B4-BE49-F238E27FC236}">
+                <a16:creationId xmlns:a16="http://schemas.microsoft.com/office/drawing/2014/main" id="{36439133-030D-427C-AADE-2B48B1991785}"/>
+              </a:ext>
+              <a:ext uri="{C183D7F6-B498-43B3-948B-1728B52AA6E4}">
+                <adec:decorative xmlns:adec="http://schemas.microsoft.com/office/drawing/2017/decorative" val="1"/>
+              </a:ext>
+            </a:extLst>
+          </p:cNvPr>
+          <p:cNvGrpSpPr>
+            <a:grpSpLocks noGrp="1" noUngrp="1" noRot="1" noChangeAspect="1" noMove="1" noResize="1"/>
+          </p:cNvGrpSpPr>
+          <p:nvPr>
+            <p:extLst>
+              <p:ext uri="{386F3935-93C4-4BCD-93E2-E3B085C9AB24}">
+                <p16:designElem xmlns:p16="http://schemas.microsoft.com/office/powerpoint/2015/main" val="1"/>
+              </p:ext>
+            </p:extLst>
+          </p:nvPr>
+        </p:nvGrpSpPr>
+        <p:grpSpPr>
+          <a:xfrm>
+            <a:off x="7477388" y="482171"/>
+            <a:ext cx="4074533" cy="5149101"/>
+            <a:chOff x="7477388" y="482171"/>
+            <a:chExt cx="4074533" cy="5149101"/>
+          </a:xfrm>
+        </p:grpSpPr>
+        <p:sp>
+          <p:nvSpPr>
+            <p:cNvPr id="17" name="Rectangle 16">
+              <a:extLst>
+                <a:ext uri="{FF2B5EF4-FFF2-40B4-BE49-F238E27FC236}">
+                  <a16:creationId xmlns:a16="http://schemas.microsoft.com/office/drawing/2014/main" id="{2C11378B-6628-411A-9A79-CF10232D7DFD}"/>
+                </a:ext>
+                <a:ext uri="{C183D7F6-B498-43B3-948B-1728B52AA6E4}">
+                  <adec:decorative xmlns:adec="http://schemas.microsoft.com/office/drawing/2017/decorative" val="1"/>
+                </a:ext>
+              </a:extLst>
+            </p:cNvPr>
+            <p:cNvSpPr/>
+            <p:nvPr>
+              <p:extLst>
+                <p:ext uri="{386F3935-93C4-4BCD-93E2-E3B085C9AB24}">
+                  <p16:designElem xmlns:p16="http://schemas.microsoft.com/office/powerpoint/2015/main" val="1"/>
+                </p:ext>
+              </p:extLst>
+            </p:nvPr>
+          </p:nvSpPr>
+          <p:spPr>
+            <a:xfrm>
+              <a:off x="7477388" y="482171"/>
+              <a:ext cx="4074533" cy="5149101"/>
+            </a:xfrm>
+            <a:prstGeom prst="rect">
+              <a:avLst/>
+            </a:prstGeom>
+            <a:gradFill>
+              <a:gsLst>
+                <a:gs pos="0">
+                  <a:srgbClr val="000001"/>
+                </a:gs>
+                <a:gs pos="100000">
+                  <a:srgbClr val="191919"/>
+                </a:gs>
+              </a:gsLst>
+            </a:gradFill>
+            <a:ln w="76200" cmpd="sng">
+              <a:noFill/>
+              <a:miter lim="800000"/>
+            </a:ln>
+            <a:effectLst>
+              <a:outerShdw blurRad="127000" dist="228600" dir="4740000" sx="98000" sy="98000" algn="tl" rotWithShape="0">
+                <a:srgbClr val="000000">
+                  <a:alpha val="34000"/>
+                </a:srgbClr>
+              </a:outerShdw>
+            </a:effectLst>
+            <a:scene3d>
+              <a:camera prst="orthographicFront"/>
+              <a:lightRig rig="threePt" dir="t"/>
+            </a:scene3d>
+            <a:sp3d>
+              <a:bevelT w="152400" h="50800" prst="softRound"/>
+            </a:sp3d>
+          </p:spPr>
+          <p:style>
+            <a:lnRef idx="1">
+              <a:schemeClr val="accent1"/>
+            </a:lnRef>
+            <a:fillRef idx="3">
+              <a:schemeClr val="accent1"/>
+            </a:fillRef>
+            <a:effectRef idx="2">
+              <a:schemeClr val="accent1"/>
+            </a:effectRef>
+            <a:fontRef idx="minor">
+              <a:schemeClr val="lt1"/>
+            </a:fontRef>
+          </p:style>
+          <p:txBody>
+            <a:bodyPr rtlCol="0" anchor="ctr"/>
+            <a:lstStyle/>
+            <a:p>
+              <a:pPr algn="ctr"/>
+              <a:endParaRPr lang="en-US"/>
+            </a:p>
+          </p:txBody>
+        </p:sp>
+        <p:sp>
+          <p:nvSpPr>
+            <p:cNvPr id="18" name="Rectangle 17">
+              <a:extLst>
+                <a:ext uri="{FF2B5EF4-FFF2-40B4-BE49-F238E27FC236}">
+                  <a16:creationId xmlns:a16="http://schemas.microsoft.com/office/drawing/2014/main" id="{08E6BF6A-26B8-45E6-887E-FE78A7984F48}"/>
+                </a:ext>
+                <a:ext uri="{C183D7F6-B498-43B3-948B-1728B52AA6E4}">
+                  <adec:decorative xmlns:adec="http://schemas.microsoft.com/office/drawing/2017/decorative" val="1"/>
+                </a:ext>
+              </a:extLst>
+            </p:cNvPr>
+            <p:cNvSpPr/>
+            <p:nvPr>
+              <p:extLst>
+                <p:ext uri="{386F3935-93C4-4BCD-93E2-E3B085C9AB24}">
+                  <p16:designElem xmlns:p16="http://schemas.microsoft.com/office/powerpoint/2015/main" val="1"/>
+                </p:ext>
+              </p:extLst>
+            </p:nvPr>
+          </p:nvSpPr>
+          <p:spPr>
+            <a:xfrm>
+              <a:off x="7790447" y="812507"/>
+              <a:ext cx="3450289" cy="4466452"/>
+            </a:xfrm>
+            <a:prstGeom prst="rect">
+              <a:avLst/>
+            </a:prstGeom>
+            <a:gradFill>
+              <a:gsLst>
+                <a:gs pos="0">
+                  <a:srgbClr val="DADADA"/>
+                </a:gs>
+                <a:gs pos="100000">
+                  <a:srgbClr val="FFFFFE"/>
+                </a:gs>
+              </a:gsLst>
+              <a:lin ang="16200000" scaled="0"/>
+            </a:gradFill>
+            <a:ln w="50800" cmpd="sng">
+              <a:solidFill>
+                <a:srgbClr val="191919"/>
+              </a:solidFill>
+              <a:miter lim="800000"/>
+            </a:ln>
+            <a:effectLst>
+              <a:innerShdw blurRad="63500" dist="88900" dir="14100000">
+                <a:srgbClr val="000000">
+                  <a:alpha val="30000"/>
+                </a:srgbClr>
+              </a:innerShdw>
+            </a:effectLst>
+            <a:scene3d>
+              <a:camera prst="orthographicFront"/>
+              <a:lightRig rig="threePt" dir="t"/>
+            </a:scene3d>
+            <a:sp3d>
+              <a:bevelT prst="relaxedInset"/>
+            </a:sp3d>
+          </p:spPr>
+          <p:style>
+            <a:lnRef idx="1">
+              <a:schemeClr val="accent1"/>
+            </a:lnRef>
+            <a:fillRef idx="3">
+              <a:schemeClr val="accent1"/>
+            </a:fillRef>
+            <a:effectRef idx="2">
+              <a:schemeClr val="accent1"/>
+            </a:effectRef>
+            <a:fontRef idx="minor">
+              <a:schemeClr val="lt1"/>
+            </a:fontRef>
+          </p:style>
+          <p:txBody>
+            <a:bodyPr rtlCol="0" anchor="ctr"/>
+            <a:lstStyle/>
+            <a:p>
+              <a:pPr algn="ctr"/>
+              <a:endParaRPr lang="en-US"/>
+            </a:p>
+          </p:txBody>
+        </p:sp>
+      </p:grpSp>
+      <p:sp>
+        <p:nvSpPr>
+          <p:cNvPr id="20" name="Rectangle 19">
+            <a:extLst>
+              <a:ext uri="{FF2B5EF4-FFF2-40B4-BE49-F238E27FC236}">
+                <a16:creationId xmlns:a16="http://schemas.microsoft.com/office/drawing/2014/main" id="{82388B0B-738B-4313-8674-79D97E74A005}"/>
+              </a:ext>
+              <a:ext uri="{C183D7F6-B498-43B3-948B-1728B52AA6E4}">
+                <adec:decorative xmlns:adec="http://schemas.microsoft.com/office/drawing/2017/decorative" val="1"/>
+              </a:ext>
+            </a:extLst>
+          </p:cNvPr>
+          <p:cNvSpPr>
+            <a:spLocks noGrp="1" noRot="1" noChangeAspect="1" noMove="1" noResize="1" noEditPoints="1" noAdjustHandles="1" noChangeArrowheads="1" noChangeShapeType="1" noTextEdit="1"/>
+          </p:cNvSpPr>
+          <p:nvPr>
+            <p:extLst>
+              <p:ext uri="{386F3935-93C4-4BCD-93E2-E3B085C9AB24}">
+                <p16:designElem xmlns:p16="http://schemas.microsoft.com/office/powerpoint/2015/main" val="1"/>
+              </p:ext>
+            </p:extLst>
+          </p:nvPr>
+        </p:nvSpPr>
+        <p:spPr>
+          <a:xfrm>
+            <a:off x="7951624" y="977965"/>
+            <a:ext cx="3119444" cy="4135339"/>
+          </a:xfrm>
+          <a:prstGeom prst="rect">
+            <a:avLst/>
+          </a:prstGeom>
+          <a:solidFill>
+            <a:schemeClr val="bg1"/>
+          </a:solidFill>
+          <a:ln w="6350">
+            <a:solidFill>
+              <a:schemeClr val="bg2"/>
+            </a:solidFill>
+          </a:ln>
+        </p:spPr>
+        <p:style>
+          <a:lnRef idx="2">
+            <a:schemeClr val="accent1">
+              <a:shade val="50000"/>
+            </a:schemeClr>
+          </a:lnRef>
+          <a:fillRef idx="1">
+            <a:schemeClr val="accent1"/>
+          </a:fillRef>
+          <a:effectRef idx="0">
+            <a:schemeClr val="accent1"/>
+          </a:effectRef>
+          <a:fontRef idx="minor">
+            <a:schemeClr val="lt1"/>
+          </a:fontRef>
+        </p:style>
+        <p:txBody>
+          <a:bodyPr rtlCol="0" anchor="ctr"/>
+          <a:lstStyle/>
+          <a:p>
+            <a:pPr algn="ctr"/>
+            <a:endParaRPr lang="en-US"/>
+          </a:p>
+        </p:txBody>
+      </p:sp>
+      <p:pic>
+        <p:nvPicPr>
+          <p:cNvPr id="7" name="Graphic 6" descr="Smiling Face with No Fill">
+            <a:extLst>
+              <a:ext uri="{FF2B5EF4-FFF2-40B4-BE49-F238E27FC236}">
+                <a16:creationId xmlns:a16="http://schemas.microsoft.com/office/drawing/2014/main" id="{C95783D7-D929-3287-6162-F35A16665F6F}"/>
+              </a:ext>
+            </a:extLst>
+          </p:cNvPr>
+          <p:cNvPicPr>
+            <a:picLocks noChangeAspect="1"/>
+          </p:cNvPicPr>
+          <p:nvPr/>
+        </p:nvPicPr>
+        <p:blipFill>
+          <a:blip r:embed="rId3">
+            <a:extLst>
+              <a:ext uri="{28A0092B-C50C-407E-A947-70E740481C1C}">
+                <a14:useLocalDpi xmlns:a14="http://schemas.microsoft.com/office/drawing/2010/main" val="0"/>
+              </a:ext>
+              <a:ext uri="{96DAC541-7B7A-43D3-8B79-37D633B846F1}">
+                <asvg:svgBlip xmlns:asvg="http://schemas.microsoft.com/office/drawing/2016/SVG/main" r:embed="rId4"/>
+              </a:ext>
+            </a:extLst>
+          </a:blip>
+          <a:stretch>
+            <a:fillRect/>
+          </a:stretch>
+        </p:blipFill>
+        <p:spPr>
+          <a:xfrm>
+            <a:off x="8116373" y="1649879"/>
+            <a:ext cx="2799103" cy="2799103"/>
+          </a:xfrm>
+          <a:prstGeom prst="rect">
+            <a:avLst/>
+          </a:prstGeom>
+        </p:spPr>
+      </p:pic>
+      <p:pic>
+        <p:nvPicPr>
+          <p:cNvPr id="42" name="Picture 21">
+            <a:extLst>
+              <a:ext uri="{FF2B5EF4-FFF2-40B4-BE49-F238E27FC236}">
+                <a16:creationId xmlns:a16="http://schemas.microsoft.com/office/drawing/2014/main" id="{6DF84359-5DD6-461B-9519-90AA2F46C1BE}"/>
+              </a:ext>
+              <a:ext uri="{C183D7F6-B498-43B3-948B-1728B52AA6E4}">
+                <adec:decorative xmlns:adec="http://schemas.microsoft.com/office/drawing/2017/decorative" val="1"/>
+              </a:ext>
+            </a:extLst>
+          </p:cNvPr>
+          <p:cNvPicPr>
+            <a:picLocks noGrp="1" noRot="1" noChangeAspect="1" noMove="1" noResize="1" noEditPoints="1" noAdjustHandles="1" noChangeArrowheads="1" noChangeShapeType="1" noCrop="1"/>
+          </p:cNvPicPr>
+          <p:nvPr>
+            <p:extLst>
+              <p:ext uri="{386F3935-93C4-4BCD-93E2-E3B085C9AB24}">
+                <p16:designElem xmlns:p16="http://schemas.microsoft.com/office/powerpoint/2015/main" val="1"/>
+              </p:ext>
+            </p:extLst>
+          </p:nvPr>
+        </p:nvPicPr>
+        <p:blipFill rotWithShape="1">
+          <a:blip r:embed="rId5">
+            <a:extLst>
+              <a:ext uri="{28A0092B-C50C-407E-A947-70E740481C1C}">
+                <a14:useLocalDpi xmlns:a14="http://schemas.microsoft.com/office/drawing/2010/main" val="0"/>
+              </a:ext>
+            </a:extLst>
+          </a:blip>
+          <a:srcRect t="1538" b="-1538"/>
+          <a:stretch/>
+        </p:blipFill>
+        <p:spPr bwMode="black">
+          <a:xfrm>
+            <a:off x="0" y="6126480"/>
+            <a:ext cx="12192000" cy="742950"/>
+          </a:xfrm>
+          <a:prstGeom prst="rect">
+            <a:avLst/>
+          </a:prstGeom>
+        </p:spPr>
+      </p:pic>
+      <p:cxnSp>
+        <p:nvCxnSpPr>
+          <p:cNvPr id="43" name="Straight Connector 23">
+            <a:extLst>
+              <a:ext uri="{FF2B5EF4-FFF2-40B4-BE49-F238E27FC236}">
+                <a16:creationId xmlns:a16="http://schemas.microsoft.com/office/drawing/2014/main" id="{E90BC892-CE86-41EE-8A3B-2178D5170C7C}"/>
+              </a:ext>
+              <a:ext uri="{C183D7F6-B498-43B3-948B-1728B52AA6E4}">
+                <adec:decorative xmlns:adec="http://schemas.microsoft.com/office/drawing/2017/decorative" val="1"/>
+              </a:ext>
+            </a:extLst>
+          </p:cNvPr>
+          <p:cNvCxnSpPr>
+            <a:cxnSpLocks noGrp="1" noRot="1" noChangeAspect="1" noMove="1" noResize="1" noEditPoints="1" noAdjustHandles="1" noChangeArrowheads="1" noChangeShapeType="1"/>
+          </p:cNvCxnSpPr>
+          <p:nvPr>
+            <p:extLst>
+              <p:ext uri="{386F3935-93C4-4BCD-93E2-E3B085C9AB24}">
+                <p16:designElem xmlns:p16="http://schemas.microsoft.com/office/powerpoint/2015/main" val="1"/>
+              </p:ext>
+            </p:extLst>
+          </p:nvPr>
+        </p:nvCxnSpPr>
+        <p:spPr>
+          <a:xfrm>
+            <a:off x="0" y="6128413"/>
+            <a:ext cx="12192000" cy="0"/>
+          </a:xfrm>
+          <a:prstGeom prst="line">
+            <a:avLst/>
+          </a:prstGeom>
+          <a:ln w="12700">
+            <a:solidFill>
+              <a:srgbClr val="000001">
+                <a:alpha val="20000"/>
+              </a:srgbClr>
+            </a:solidFill>
+          </a:ln>
+        </p:spPr>
+        <p:style>
+          <a:lnRef idx="1">
+            <a:schemeClr val="accent1"/>
+          </a:lnRef>
+          <a:fillRef idx="0">
+            <a:schemeClr val="accent1"/>
+          </a:fillRef>
+          <a:effectRef idx="0">
+            <a:schemeClr val="accent1"/>
+          </a:effectRef>
+          <a:fontRef idx="minor">
+            <a:schemeClr val="tx1"/>
+          </a:fontRef>
+        </p:style>
+      </p:cxnSp>
+    </p:spTree>
+    <p:extLst>
+      <p:ext uri="{BB962C8B-B14F-4D97-AF65-F5344CB8AC3E}">
+        <p14:creationId xmlns:p14="http://schemas.microsoft.com/office/powerpoint/2010/main" val="308313497"/>
       </p:ext>
     </p:extLst>
   </p:cSld>
@@ -10507,8 +12232,8 @@
           <a:lstStyle/>
           <a:p>
             <a:r>
-              <a:rPr lang="en-US" sz="5400"/>
-              <a:t>Why choose this topic?</a:t>
+              <a:rPr lang="en-US" sz="5400" dirty="0"/>
+              <a:t>Why I chose this topic?</a:t>
             </a:r>
           </a:p>
         </p:txBody>
@@ -11005,72 +12730,12 @@
           <a:chExt cx="0" cy="0"/>
         </a:xfrm>
       </p:grpSpPr>
-      <p:sp useBgFill="1">
+      <p:sp>
         <p:nvSpPr>
-          <p:cNvPr id="8" name="Rectangle 7">
+          <p:cNvPr id="25" name="Rectangle 24">
             <a:extLst>
               <a:ext uri="{FF2B5EF4-FFF2-40B4-BE49-F238E27FC236}">
-                <a16:creationId xmlns:a16="http://schemas.microsoft.com/office/drawing/2014/main" id="{08E7A6F0-5CD3-481E-B0F2-E7F99FE675B0}"/>
-              </a:ext>
-              <a:ext uri="{C183D7F6-B498-43B3-948B-1728B52AA6E4}">
-                <adec:decorative xmlns:adec="http://schemas.microsoft.com/office/drawing/2017/decorative" val="1"/>
-              </a:ext>
-            </a:extLst>
-          </p:cNvPr>
-          <p:cNvSpPr>
-            <a:spLocks noGrp="1" noRot="1" noChangeAspect="1" noMove="1" noResize="1" noEditPoints="1" noAdjustHandles="1" noChangeArrowheads="1" noChangeShapeType="1" noTextEdit="1"/>
-          </p:cNvSpPr>
-          <p:nvPr>
-            <p:extLst>
-              <p:ext uri="{386F3935-93C4-4BCD-93E2-E3B085C9AB24}">
-                <p16:designElem xmlns:p16="http://schemas.microsoft.com/office/powerpoint/2015/main" val="1"/>
-              </p:ext>
-            </p:extLst>
-          </p:nvPr>
-        </p:nvSpPr>
-        <p:spPr>
-          <a:xfrm>
-            <a:off x="2" y="0"/>
-            <a:ext cx="12191695" cy="6858000"/>
-          </a:xfrm>
-          <a:prstGeom prst="rect">
-            <a:avLst/>
-          </a:prstGeom>
-          <a:ln>
-            <a:noFill/>
-          </a:ln>
-        </p:spPr>
-        <p:style>
-          <a:lnRef idx="2">
-            <a:schemeClr val="accent1">
-              <a:shade val="50000"/>
-            </a:schemeClr>
-          </a:lnRef>
-          <a:fillRef idx="1">
-            <a:schemeClr val="accent1"/>
-          </a:fillRef>
-          <a:effectRef idx="0">
-            <a:schemeClr val="accent1"/>
-          </a:effectRef>
-          <a:fontRef idx="minor">
-            <a:schemeClr val="lt1"/>
-          </a:fontRef>
-        </p:style>
-        <p:txBody>
-          <a:bodyPr rtlCol="0" anchor="ctr"/>
-          <a:lstStyle/>
-          <a:p>
-            <a:pPr algn="ctr"/>
-            <a:endParaRPr lang="en-US"/>
-          </a:p>
-        </p:txBody>
-      </p:sp>
-      <p:sp>
-        <p:nvSpPr>
-          <p:cNvPr id="10" name="Rectangle 9">
-            <a:extLst>
-              <a:ext uri="{FF2B5EF4-FFF2-40B4-BE49-F238E27FC236}">
-                <a16:creationId xmlns:a16="http://schemas.microsoft.com/office/drawing/2014/main" id="{511290DF-4975-4FCD-8B8D-BBC86B836668}"/>
+                <a16:creationId xmlns:a16="http://schemas.microsoft.com/office/drawing/2014/main" id="{23522FE7-5A29-4EF6-B1EF-2CA55748A772}"/>
               </a:ext>
               <a:ext uri="{C183D7F6-B498-43B3-948B-1728B52AA6E4}">
                 <adec:decorative xmlns:adec="http://schemas.microsoft.com/office/drawing/2017/decorative" val="1"/>
@@ -11130,398 +12795,13 @@
             <a:schemeClr val="lt1"/>
           </a:fontRef>
         </p:style>
-        <p:txBody>
-          <a:bodyPr rtlCol="0" anchor="ctr"/>
-          <a:lstStyle/>
-          <a:p>
-            <a:pPr lvl="0" algn="ctr"/>
-            <a:endParaRPr lang="en-US"/>
-          </a:p>
-        </p:txBody>
-      </p:sp>
-      <p:sp>
-        <p:nvSpPr>
-          <p:cNvPr id="2" name="Title 1">
-            <a:extLst>
-              <a:ext uri="{FF2B5EF4-FFF2-40B4-BE49-F238E27FC236}">
-                <a16:creationId xmlns:a16="http://schemas.microsoft.com/office/drawing/2014/main" id="{3D382162-F66B-9BF5-9867-54B75C3C1B4E}"/>
-              </a:ext>
-            </a:extLst>
-          </p:cNvPr>
-          <p:cNvSpPr>
-            <a:spLocks noGrp="1"/>
-          </p:cNvSpPr>
-          <p:nvPr>
-            <p:ph type="title"/>
-          </p:nvPr>
-        </p:nvSpPr>
-        <p:spPr>
-          <a:xfrm>
-            <a:off x="860612" y="1138228"/>
-            <a:ext cx="3793685" cy="3858767"/>
-          </a:xfrm>
-        </p:spPr>
-        <p:txBody>
-          <a:bodyPr anchor="ctr">
-            <a:normAutofit/>
-          </a:bodyPr>
-          <a:lstStyle/>
-          <a:p>
-            <a:r>
-              <a:rPr lang="en-US" sz="3600"/>
-              <a:t>objective</a:t>
-            </a:r>
-            <a:endParaRPr lang="en-AU" sz="3600"/>
-          </a:p>
-        </p:txBody>
-      </p:sp>
-      <p:grpSp>
-        <p:nvGrpSpPr>
-          <p:cNvPr id="12" name="Group 11">
-            <a:extLst>
-              <a:ext uri="{FF2B5EF4-FFF2-40B4-BE49-F238E27FC236}">
-                <a16:creationId xmlns:a16="http://schemas.microsoft.com/office/drawing/2014/main" id="{357CA18A-A333-4DCB-842B-76827D2ECB24}"/>
-              </a:ext>
-              <a:ext uri="{C183D7F6-B498-43B3-948B-1728B52AA6E4}">
-                <adec:decorative xmlns:adec="http://schemas.microsoft.com/office/drawing/2017/decorative" val="1"/>
-              </a:ext>
-            </a:extLst>
-          </p:cNvPr>
-          <p:cNvGrpSpPr>
-            <a:grpSpLocks noGrp="1" noUngrp="1" noRot="1" noChangeAspect="1" noMove="1" noResize="1"/>
-          </p:cNvGrpSpPr>
-          <p:nvPr>
-            <p:extLst>
-              <p:ext uri="{386F3935-93C4-4BCD-93E2-E3B085C9AB24}">
-                <p16:designElem xmlns:p16="http://schemas.microsoft.com/office/powerpoint/2015/main" val="1"/>
-              </p:ext>
-            </p:extLst>
-          </p:nvPr>
-        </p:nvGrpSpPr>
-        <p:grpSpPr>
-          <a:xfrm>
-            <a:off x="5100021" y="638300"/>
-            <a:ext cx="6409605" cy="4858625"/>
-            <a:chOff x="7807230" y="2012810"/>
-            <a:chExt cx="3251252" cy="3459865"/>
-          </a:xfrm>
-        </p:grpSpPr>
-        <p:sp>
-          <p:nvSpPr>
-            <p:cNvPr id="13" name="Rectangle 12">
-              <a:extLst>
-                <a:ext uri="{FF2B5EF4-FFF2-40B4-BE49-F238E27FC236}">
-                  <a16:creationId xmlns:a16="http://schemas.microsoft.com/office/drawing/2014/main" id="{6E785FC3-CE7B-46F8-8C7A-EBBF001EDB17}"/>
-                </a:ext>
-                <a:ext uri="{C183D7F6-B498-43B3-948B-1728B52AA6E4}">
-                  <adec:decorative xmlns:adec="http://schemas.microsoft.com/office/drawing/2017/decorative" val="1"/>
-                </a:ext>
-              </a:extLst>
-            </p:cNvPr>
-            <p:cNvSpPr/>
-            <p:nvPr>
-              <p:extLst>
-                <p:ext uri="{386F3935-93C4-4BCD-93E2-E3B085C9AB24}">
-                  <p16:designElem xmlns:p16="http://schemas.microsoft.com/office/powerpoint/2015/main" val="1"/>
-                </p:ext>
-              </p:extLst>
-            </p:nvPr>
-          </p:nvSpPr>
-          <p:spPr>
-            <a:xfrm>
-              <a:off x="7807230" y="2012810"/>
-              <a:ext cx="3251252" cy="3459865"/>
-            </a:xfrm>
-            <a:prstGeom prst="rect">
-              <a:avLst/>
-            </a:prstGeom>
-            <a:gradFill>
-              <a:gsLst>
-                <a:gs pos="0">
-                  <a:srgbClr val="000001"/>
-                </a:gs>
-                <a:gs pos="100000">
-                  <a:srgbClr val="191919"/>
-                </a:gs>
-              </a:gsLst>
-            </a:gradFill>
-            <a:ln w="76200" cmpd="sng">
-              <a:noFill/>
-              <a:miter lim="800000"/>
-            </a:ln>
-            <a:effectLst>
-              <a:outerShdw blurRad="127000" dist="190500" dir="4740000" sx="98000" sy="98000" algn="tl" rotWithShape="0">
-                <a:srgbClr val="000000">
-                  <a:alpha val="34000"/>
-                </a:srgbClr>
-              </a:outerShdw>
-            </a:effectLst>
-            <a:scene3d>
-              <a:camera prst="orthographicFront"/>
-              <a:lightRig rig="threePt" dir="t"/>
-            </a:scene3d>
-            <a:sp3d>
-              <a:bevelT w="152400" h="50800" prst="softRound"/>
-            </a:sp3d>
-          </p:spPr>
-          <p:style>
-            <a:lnRef idx="1">
-              <a:schemeClr val="accent1"/>
-            </a:lnRef>
-            <a:fillRef idx="3">
-              <a:schemeClr val="accent1"/>
-            </a:fillRef>
-            <a:effectRef idx="2">
-              <a:schemeClr val="accent1"/>
-            </a:effectRef>
-            <a:fontRef idx="minor">
-              <a:schemeClr val="lt1"/>
-            </a:fontRef>
-          </p:style>
-          <p:txBody>
-            <a:bodyPr rtlCol="0" anchor="ctr"/>
-            <a:lstStyle/>
-            <a:p>
-              <a:pPr algn="ctr"/>
-              <a:endParaRPr lang="en-US"/>
-            </a:p>
-          </p:txBody>
-        </p:sp>
-        <p:sp>
-          <p:nvSpPr>
-            <p:cNvPr id="14" name="Rectangle 13">
-              <a:extLst>
-                <a:ext uri="{FF2B5EF4-FFF2-40B4-BE49-F238E27FC236}">
-                  <a16:creationId xmlns:a16="http://schemas.microsoft.com/office/drawing/2014/main" id="{75069D9A-30C7-4159-880C-DD2BDC51009B}"/>
-                </a:ext>
-                <a:ext uri="{C183D7F6-B498-43B3-948B-1728B52AA6E4}">
-                  <adec:decorative xmlns:adec="http://schemas.microsoft.com/office/drawing/2017/decorative" val="1"/>
-                </a:ext>
-              </a:extLst>
-            </p:cNvPr>
-            <p:cNvSpPr/>
-            <p:nvPr>
-              <p:extLst>
-                <p:ext uri="{386F3935-93C4-4BCD-93E2-E3B085C9AB24}">
-                  <p16:designElem xmlns:p16="http://schemas.microsoft.com/office/powerpoint/2015/main" val="1"/>
-                </p:ext>
-              </p:extLst>
-            </p:nvPr>
-          </p:nvSpPr>
-          <p:spPr>
-            <a:xfrm>
-              <a:off x="7807231" y="2026142"/>
-              <a:ext cx="3251250" cy="3440203"/>
-            </a:xfrm>
-            <a:prstGeom prst="rect">
-              <a:avLst/>
-            </a:prstGeom>
-            <a:gradFill>
-              <a:gsLst>
-                <a:gs pos="0">
-                  <a:srgbClr val="DADADA"/>
-                </a:gs>
-                <a:gs pos="100000">
-                  <a:srgbClr val="FFFFFE"/>
-                </a:gs>
-              </a:gsLst>
-              <a:lin ang="16200000" scaled="0"/>
-            </a:gradFill>
-            <a:ln w="76200" cmpd="sng">
-              <a:solidFill>
-                <a:srgbClr val="191919"/>
-              </a:solidFill>
-              <a:miter lim="800000"/>
-            </a:ln>
-            <a:effectLst>
-              <a:innerShdw blurRad="63500" dist="88900" dir="14100000">
-                <a:srgbClr val="000000">
-                  <a:alpha val="30000"/>
-                </a:srgbClr>
-              </a:innerShdw>
-            </a:effectLst>
-            <a:scene3d>
-              <a:camera prst="orthographicFront"/>
-              <a:lightRig rig="threePt" dir="t"/>
-            </a:scene3d>
-            <a:sp3d>
-              <a:bevelT w="38100" h="38100" prst="relaxedInset"/>
-            </a:sp3d>
-          </p:spPr>
-          <p:style>
-            <a:lnRef idx="1">
-              <a:schemeClr val="accent1"/>
-            </a:lnRef>
-            <a:fillRef idx="3">
-              <a:schemeClr val="accent1"/>
-            </a:fillRef>
-            <a:effectRef idx="2">
-              <a:schemeClr val="accent1"/>
-            </a:effectRef>
-            <a:fontRef idx="minor">
-              <a:schemeClr val="lt1"/>
-            </a:fontRef>
-          </p:style>
-          <p:txBody>
-            <a:bodyPr rtlCol="0" anchor="ctr"/>
-            <a:lstStyle/>
-            <a:p>
-              <a:pPr algn="ctr"/>
-              <a:endParaRPr lang="en-US"/>
-            </a:p>
-          </p:txBody>
-        </p:sp>
-      </p:grpSp>
-      <p:sp>
-        <p:nvSpPr>
-          <p:cNvPr id="16" name="Rectangle 15">
-            <a:extLst>
-              <a:ext uri="{FF2B5EF4-FFF2-40B4-BE49-F238E27FC236}">
-                <a16:creationId xmlns:a16="http://schemas.microsoft.com/office/drawing/2014/main" id="{D9FE1511-6E1B-4F0E-8FF0-958527181CC9}"/>
-              </a:ext>
-              <a:ext uri="{C183D7F6-B498-43B3-948B-1728B52AA6E4}">
-                <adec:decorative xmlns:adec="http://schemas.microsoft.com/office/drawing/2017/decorative" val="1"/>
-              </a:ext>
-            </a:extLst>
-          </p:cNvPr>
-          <p:cNvSpPr>
-            <a:spLocks noGrp="1" noRot="1" noChangeAspect="1" noMove="1" noResize="1" noEditPoints="1" noAdjustHandles="1" noChangeArrowheads="1" noChangeShapeType="1" noTextEdit="1"/>
-          </p:cNvSpPr>
-          <p:nvPr>
-            <p:extLst>
-              <p:ext uri="{386F3935-93C4-4BCD-93E2-E3B085C9AB24}">
-                <p16:designElem xmlns:p16="http://schemas.microsoft.com/office/powerpoint/2015/main" val="1"/>
-              </p:ext>
-            </p:extLst>
-          </p:nvPr>
-        </p:nvSpPr>
-        <p:spPr>
-          <a:xfrm>
-            <a:off x="5419891" y="973636"/>
-            <a:ext cx="5769864" cy="4187952"/>
-          </a:xfrm>
-          <a:prstGeom prst="rect">
-            <a:avLst/>
-          </a:prstGeom>
-          <a:solidFill>
-            <a:srgbClr val="FFFFFF"/>
-          </a:solidFill>
-          <a:ln w="6350">
-            <a:solidFill>
-              <a:srgbClr val="DFDBD5"/>
-            </a:solidFill>
-          </a:ln>
-        </p:spPr>
-        <p:style>
-          <a:lnRef idx="2">
-            <a:schemeClr val="accent1">
-              <a:shade val="50000"/>
-            </a:schemeClr>
-          </a:lnRef>
-          <a:fillRef idx="1">
-            <a:schemeClr val="accent1"/>
-          </a:fillRef>
-          <a:effectRef idx="0">
-            <a:schemeClr val="accent1"/>
-          </a:effectRef>
-          <a:fontRef idx="minor">
-            <a:schemeClr val="lt1"/>
-          </a:fontRef>
-        </p:style>
-        <p:txBody>
-          <a:bodyPr rtlCol="0" anchor="ctr"/>
-          <a:lstStyle/>
-          <a:p>
-            <a:pPr algn="ctr"/>
-            <a:endParaRPr lang="en-US"/>
-          </a:p>
-        </p:txBody>
-      </p:sp>
-      <p:sp>
-        <p:nvSpPr>
-          <p:cNvPr id="3" name="Content Placeholder 2">
-            <a:extLst>
-              <a:ext uri="{FF2B5EF4-FFF2-40B4-BE49-F238E27FC236}">
-                <a16:creationId xmlns:a16="http://schemas.microsoft.com/office/drawing/2014/main" id="{50EB7F42-1D17-E5BF-B407-3152C97FDCF7}"/>
-              </a:ext>
-            </a:extLst>
-          </p:cNvPr>
-          <p:cNvSpPr>
-            <a:spLocks noGrp="1"/>
-          </p:cNvSpPr>
-          <p:nvPr>
-            <p:ph idx="1"/>
-          </p:nvPr>
-        </p:nvSpPr>
-        <p:spPr>
-          <a:xfrm>
-            <a:off x="5584483" y="1138228"/>
-            <a:ext cx="5440680" cy="3858768"/>
-          </a:xfrm>
-        </p:spPr>
-        <p:txBody>
-          <a:bodyPr anchor="ctr">
-            <a:normAutofit/>
-          </a:bodyPr>
-          <a:lstStyle/>
-          <a:p>
-            <a:r>
-              <a:rPr lang="en-US" dirty="0">
-                <a:solidFill>
-                  <a:srgbClr val="000000"/>
-                </a:solidFill>
-                <a:latin typeface="Söhne"/>
-              </a:rPr>
-              <a:t>Clean, </a:t>
-            </a:r>
-            <a:r>
-              <a:rPr lang="en-US" b="0" i="0" dirty="0">
-                <a:solidFill>
-                  <a:srgbClr val="000000"/>
-                </a:solidFill>
-                <a:effectLst/>
-                <a:latin typeface="Söhne"/>
-              </a:rPr>
-              <a:t>preprocess and run exploratory analysis on Perth House Prices data.</a:t>
-            </a:r>
-          </a:p>
-          <a:p>
-            <a:r>
-              <a:rPr lang="en-US" b="0" i="0" dirty="0">
-                <a:solidFill>
-                  <a:srgbClr val="000000"/>
-                </a:solidFill>
-                <a:effectLst/>
-                <a:latin typeface="Söhne"/>
-              </a:rPr>
-              <a:t>Apply Machine Learning algorithms &amp; build a predictive model to estimate sale prices.</a:t>
-            </a:r>
-          </a:p>
-          <a:p>
-            <a:r>
-              <a:rPr lang="en-US" b="0" i="0" dirty="0">
-                <a:solidFill>
-                  <a:srgbClr val="000000"/>
-                </a:solidFill>
-                <a:effectLst/>
-                <a:latin typeface="Söhne"/>
-              </a:rPr>
-              <a:t>Visualize the Perth House Prices data using Tableau.</a:t>
-            </a:r>
-            <a:endParaRPr lang="en-AU" dirty="0">
-              <a:solidFill>
-                <a:srgbClr val="000000"/>
-              </a:solidFill>
-            </a:endParaRPr>
-          </a:p>
-        </p:txBody>
       </p:sp>
       <p:pic>
         <p:nvPicPr>
-          <p:cNvPr id="18" name="Picture 17">
+          <p:cNvPr id="27" name="Picture 26">
             <a:extLst>
               <a:ext uri="{FF2B5EF4-FFF2-40B4-BE49-F238E27FC236}">
-                <a16:creationId xmlns:a16="http://schemas.microsoft.com/office/drawing/2014/main" id="{025CEF6D-5E98-4B5C-A10F-7459C1EEF10E}"/>
+                <a16:creationId xmlns:a16="http://schemas.microsoft.com/office/drawing/2014/main" id="{C2192E09-EBC7-416C-B887-DFF915D7F43D}"/>
               </a:ext>
               <a:ext uri="{C183D7F6-B498-43B3-948B-1728B52AA6E4}">
                 <adec:decorative xmlns:adec="http://schemas.microsoft.com/office/drawing/2017/decorative" val="1"/>
@@ -11562,10 +12842,588 @@
       </p:pic>
       <p:cxnSp>
         <p:nvCxnSpPr>
-          <p:cNvPr id="20" name="Straight Connector 19">
+          <p:cNvPr id="29" name="Straight Connector 28">
             <a:extLst>
               <a:ext uri="{FF2B5EF4-FFF2-40B4-BE49-F238E27FC236}">
-                <a16:creationId xmlns:a16="http://schemas.microsoft.com/office/drawing/2014/main" id="{05C73161-1E4E-4E6A-91B2-E885CF8FFBA6}"/>
+                <a16:creationId xmlns:a16="http://schemas.microsoft.com/office/drawing/2014/main" id="{2924498D-E084-44BE-A196-CFCE35564350}"/>
+              </a:ext>
+              <a:ext uri="{C183D7F6-B498-43B3-948B-1728B52AA6E4}">
+                <adec:decorative xmlns:adec="http://schemas.microsoft.com/office/drawing/2017/decorative" val="1"/>
+              </a:ext>
+            </a:extLst>
+          </p:cNvPr>
+          <p:cNvCxnSpPr>
+            <a:cxnSpLocks noGrp="1" noRot="1" noChangeAspect="1" noMove="1" noResize="1" noEditPoints="1" noAdjustHandles="1" noChangeArrowheads="1" noChangeShapeType="1"/>
+          </p:cNvCxnSpPr>
+          <p:nvPr>
+            <p:extLst>
+              <p:ext uri="{386F3935-93C4-4BCD-93E2-E3B085C9AB24}">
+                <p16:designElem xmlns:p16="http://schemas.microsoft.com/office/powerpoint/2015/main" val="1"/>
+              </p:ext>
+            </p:extLst>
+          </p:nvPr>
+        </p:nvCxnSpPr>
+        <p:spPr>
+          <a:xfrm>
+            <a:off x="0" y="6128413"/>
+            <a:ext cx="12192000" cy="0"/>
+          </a:xfrm>
+          <a:prstGeom prst="line">
+            <a:avLst/>
+          </a:prstGeom>
+          <a:ln w="12700">
+            <a:solidFill>
+              <a:srgbClr val="000001">
+                <a:alpha val="20000"/>
+              </a:srgbClr>
+            </a:solidFill>
+          </a:ln>
+        </p:spPr>
+        <p:style>
+          <a:lnRef idx="1">
+            <a:schemeClr val="accent1"/>
+          </a:lnRef>
+          <a:fillRef idx="0">
+            <a:schemeClr val="accent1"/>
+          </a:fillRef>
+          <a:effectRef idx="0">
+            <a:schemeClr val="accent1"/>
+          </a:effectRef>
+          <a:fontRef idx="minor">
+            <a:schemeClr val="tx1"/>
+          </a:fontRef>
+        </p:style>
+      </p:cxnSp>
+      <p:cxnSp>
+        <p:nvCxnSpPr>
+          <p:cNvPr id="31" name="Straight Connector 30">
+            <a:extLst>
+              <a:ext uri="{FF2B5EF4-FFF2-40B4-BE49-F238E27FC236}">
+                <a16:creationId xmlns:a16="http://schemas.microsoft.com/office/drawing/2014/main" id="{3BBC7667-C352-4842-9AFD-E5C16AD002F4}"/>
+              </a:ext>
+              <a:ext uri="{C183D7F6-B498-43B3-948B-1728B52AA6E4}">
+                <adec:decorative xmlns:adec="http://schemas.microsoft.com/office/drawing/2017/decorative" val="1"/>
+              </a:ext>
+            </a:extLst>
+          </p:cNvPr>
+          <p:cNvCxnSpPr>
+            <a:cxnSpLocks noGrp="1" noRot="1" noChangeAspect="1" noMove="1" noResize="1" noEditPoints="1" noAdjustHandles="1" noChangeArrowheads="1" noChangeShapeType="1"/>
+          </p:cNvCxnSpPr>
+          <p:nvPr>
+            <p:extLst>
+              <p:ext uri="{386F3935-93C4-4BCD-93E2-E3B085C9AB24}">
+                <p16:designElem xmlns:p16="http://schemas.microsoft.com/office/powerpoint/2015/main" val="1"/>
+              </p:ext>
+            </p:extLst>
+          </p:nvPr>
+        </p:nvCxnSpPr>
+        <p:spPr>
+          <a:xfrm>
+            <a:off x="2417780" y="3528542"/>
+            <a:ext cx="8637072" cy="0"/>
+          </a:xfrm>
+          <a:prstGeom prst="line">
+            <a:avLst/>
+          </a:prstGeom>
+          <a:ln w="31750"/>
+        </p:spPr>
+        <p:style>
+          <a:lnRef idx="3">
+            <a:schemeClr val="accent1"/>
+          </a:lnRef>
+          <a:fillRef idx="0">
+            <a:schemeClr val="accent1"/>
+          </a:fillRef>
+          <a:effectRef idx="2">
+            <a:schemeClr val="accent1"/>
+          </a:effectRef>
+          <a:fontRef idx="minor">
+            <a:schemeClr val="tx1"/>
+          </a:fontRef>
+        </p:style>
+      </p:cxnSp>
+      <p:sp useBgFill="1">
+        <p:nvSpPr>
+          <p:cNvPr id="33" name="Rectangle 32">
+            <a:extLst>
+              <a:ext uri="{FF2B5EF4-FFF2-40B4-BE49-F238E27FC236}">
+                <a16:creationId xmlns:a16="http://schemas.microsoft.com/office/drawing/2014/main" id="{1C69834E-5EEE-4D61-833E-04928896454C}"/>
+              </a:ext>
+              <a:ext uri="{C183D7F6-B498-43B3-948B-1728B52AA6E4}">
+                <adec:decorative xmlns:adec="http://schemas.microsoft.com/office/drawing/2017/decorative" val="1"/>
+              </a:ext>
+            </a:extLst>
+          </p:cNvPr>
+          <p:cNvSpPr>
+            <a:spLocks noGrp="1" noRot="1" noChangeAspect="1" noMove="1" noResize="1" noEditPoints="1" noAdjustHandles="1" noChangeArrowheads="1" noChangeShapeType="1" noTextEdit="1"/>
+          </p:cNvSpPr>
+          <p:nvPr>
+            <p:extLst>
+              <p:ext uri="{386F3935-93C4-4BCD-93E2-E3B085C9AB24}">
+                <p16:designElem xmlns:p16="http://schemas.microsoft.com/office/powerpoint/2015/main" val="1"/>
+              </p:ext>
+            </p:extLst>
+          </p:nvPr>
+        </p:nvSpPr>
+        <p:spPr>
+          <a:xfrm>
+            <a:off x="2" y="0"/>
+            <a:ext cx="12191695" cy="6858000"/>
+          </a:xfrm>
+          <a:prstGeom prst="rect">
+            <a:avLst/>
+          </a:prstGeom>
+          <a:ln>
+            <a:noFill/>
+          </a:ln>
+        </p:spPr>
+        <p:style>
+          <a:lnRef idx="2">
+            <a:schemeClr val="accent1">
+              <a:shade val="50000"/>
+            </a:schemeClr>
+          </a:lnRef>
+          <a:fillRef idx="1">
+            <a:schemeClr val="accent1"/>
+          </a:fillRef>
+          <a:effectRef idx="0">
+            <a:schemeClr val="accent1"/>
+          </a:effectRef>
+          <a:fontRef idx="minor">
+            <a:schemeClr val="lt1"/>
+          </a:fontRef>
+        </p:style>
+        <p:txBody>
+          <a:bodyPr rtlCol="0" anchor="ctr"/>
+          <a:lstStyle/>
+          <a:p>
+            <a:pPr algn="ctr"/>
+            <a:endParaRPr lang="en-US"/>
+          </a:p>
+        </p:txBody>
+      </p:sp>
+      <p:sp>
+        <p:nvSpPr>
+          <p:cNvPr id="35" name="Rectangle 34">
+            <a:extLst>
+              <a:ext uri="{FF2B5EF4-FFF2-40B4-BE49-F238E27FC236}">
+                <a16:creationId xmlns:a16="http://schemas.microsoft.com/office/drawing/2014/main" id="{58E5D9BA-46E7-4BFA-9C74-75495BF6F54D}"/>
+              </a:ext>
+              <a:ext uri="{C183D7F6-B498-43B3-948B-1728B52AA6E4}">
+                <adec:decorative xmlns:adec="http://schemas.microsoft.com/office/drawing/2017/decorative" val="1"/>
+              </a:ext>
+            </a:extLst>
+          </p:cNvPr>
+          <p:cNvSpPr>
+            <a:spLocks noGrp="1" noRot="1" noChangeAspect="1" noMove="1" noResize="1" noEditPoints="1" noAdjustHandles="1" noChangeArrowheads="1" noChangeShapeType="1" noTextEdit="1"/>
+          </p:cNvSpPr>
+          <p:nvPr>
+            <p:extLst>
+              <p:ext uri="{386F3935-93C4-4BCD-93E2-E3B085C9AB24}">
+                <p16:designElem xmlns:p16="http://schemas.microsoft.com/office/powerpoint/2015/main" val="1"/>
+              </p:ext>
+            </p:extLst>
+          </p:nvPr>
+        </p:nvSpPr>
+        <p:spPr>
+          <a:xfrm>
+            <a:off x="0" y="2019476"/>
+            <a:ext cx="12192000" cy="4105941"/>
+          </a:xfrm>
+          <a:prstGeom prst="rect">
+            <a:avLst/>
+          </a:prstGeom>
+          <a:gradFill flip="none" rotWithShape="1">
+            <a:gsLst>
+              <a:gs pos="0">
+                <a:schemeClr val="bg2">
+                  <a:alpha val="0"/>
+                </a:schemeClr>
+              </a:gs>
+              <a:gs pos="100000">
+                <a:schemeClr val="bg2"/>
+              </a:gs>
+            </a:gsLst>
+            <a:lin ang="5400000" scaled="0"/>
+            <a:tileRect/>
+          </a:gradFill>
+          <a:ln>
+            <a:noFill/>
+          </a:ln>
+        </p:spPr>
+        <p:style>
+          <a:lnRef idx="2">
+            <a:schemeClr val="accent1">
+              <a:shade val="50000"/>
+            </a:schemeClr>
+          </a:lnRef>
+          <a:fillRef idx="1">
+            <a:schemeClr val="accent1"/>
+          </a:fillRef>
+          <a:effectRef idx="0">
+            <a:schemeClr val="accent1"/>
+          </a:effectRef>
+          <a:fontRef idx="minor">
+            <a:schemeClr val="lt1"/>
+          </a:fontRef>
+        </p:style>
+        <p:txBody>
+          <a:bodyPr rtlCol="0" anchor="ctr"/>
+          <a:lstStyle/>
+          <a:p>
+            <a:pPr lvl="0" algn="ctr"/>
+            <a:endParaRPr lang="en-US"/>
+          </a:p>
+        </p:txBody>
+      </p:sp>
+      <p:sp>
+        <p:nvSpPr>
+          <p:cNvPr id="37" name="Rectangle 36">
+            <a:extLst>
+              <a:ext uri="{FF2B5EF4-FFF2-40B4-BE49-F238E27FC236}">
+                <a16:creationId xmlns:a16="http://schemas.microsoft.com/office/drawing/2014/main" id="{5B033D76-5800-44B6-AFE9-EE2106935115}"/>
+              </a:ext>
+              <a:ext uri="{C183D7F6-B498-43B3-948B-1728B52AA6E4}">
+                <adec:decorative xmlns:adec="http://schemas.microsoft.com/office/drawing/2017/decorative" val="1"/>
+              </a:ext>
+            </a:extLst>
+          </p:cNvPr>
+          <p:cNvSpPr>
+            <a:spLocks noGrp="1" noRot="1" noChangeAspect="1" noMove="1" noResize="1" noEditPoints="1" noAdjustHandles="1" noChangeArrowheads="1" noChangeShapeType="1" noTextEdit="1"/>
+          </p:cNvSpPr>
+          <p:nvPr>
+            <p:extLst>
+              <p:ext uri="{386F3935-93C4-4BCD-93E2-E3B085C9AB24}">
+                <p16:designElem xmlns:p16="http://schemas.microsoft.com/office/powerpoint/2015/main" val="1"/>
+              </p:ext>
+            </p:extLst>
+          </p:nvPr>
+        </p:nvSpPr>
+        <p:spPr>
+          <a:xfrm>
+            <a:off x="643331" y="638508"/>
+            <a:ext cx="10905339" cy="4843439"/>
+          </a:xfrm>
+          <a:prstGeom prst="rect">
+            <a:avLst/>
+          </a:prstGeom>
+          <a:gradFill>
+            <a:gsLst>
+              <a:gs pos="0">
+                <a:srgbClr val="000001"/>
+              </a:gs>
+              <a:gs pos="100000">
+                <a:srgbClr val="191919"/>
+              </a:gs>
+            </a:gsLst>
+          </a:gradFill>
+          <a:ln w="76200" cmpd="sng">
+            <a:noFill/>
+            <a:miter lim="800000"/>
+          </a:ln>
+          <a:effectLst>
+            <a:outerShdw blurRad="127000" dist="228600" dir="4740000" sx="98000" sy="98000" algn="tl" rotWithShape="0">
+              <a:srgbClr val="000000">
+                <a:alpha val="34000"/>
+              </a:srgbClr>
+            </a:outerShdw>
+          </a:effectLst>
+          <a:scene3d>
+            <a:camera prst="orthographicFront"/>
+            <a:lightRig rig="threePt" dir="t"/>
+          </a:scene3d>
+          <a:sp3d>
+            <a:bevelT w="152400" h="50800" prst="softRound"/>
+          </a:sp3d>
+        </p:spPr>
+        <p:style>
+          <a:lnRef idx="1">
+            <a:schemeClr val="accent1"/>
+          </a:lnRef>
+          <a:fillRef idx="3">
+            <a:schemeClr val="accent1"/>
+          </a:fillRef>
+          <a:effectRef idx="2">
+            <a:schemeClr val="accent1"/>
+          </a:effectRef>
+          <a:fontRef idx="minor">
+            <a:schemeClr val="lt1"/>
+          </a:fontRef>
+        </p:style>
+        <p:txBody>
+          <a:bodyPr rtlCol="0" anchor="ctr"/>
+          <a:lstStyle/>
+          <a:p>
+            <a:pPr algn="ctr"/>
+            <a:endParaRPr lang="en-US"/>
+          </a:p>
+        </p:txBody>
+      </p:sp>
+      <p:sp>
+        <p:nvSpPr>
+          <p:cNvPr id="39" name="Rectangle 38">
+            <a:extLst>
+              <a:ext uri="{FF2B5EF4-FFF2-40B4-BE49-F238E27FC236}">
+                <a16:creationId xmlns:a16="http://schemas.microsoft.com/office/drawing/2014/main" id="{522D6F85-FFBA-4F81-AEE5-AAA17CB7AA98}"/>
+              </a:ext>
+              <a:ext uri="{C183D7F6-B498-43B3-948B-1728B52AA6E4}">
+                <adec:decorative xmlns:adec="http://schemas.microsoft.com/office/drawing/2017/decorative" val="1"/>
+              </a:ext>
+            </a:extLst>
+          </p:cNvPr>
+          <p:cNvSpPr>
+            <a:spLocks noGrp="1" noRot="1" noChangeAspect="1" noMove="1" noResize="1" noEditPoints="1" noAdjustHandles="1" noChangeArrowheads="1" noChangeShapeType="1" noTextEdit="1"/>
+          </p:cNvSpPr>
+          <p:nvPr>
+            <p:extLst>
+              <p:ext uri="{386F3935-93C4-4BCD-93E2-E3B085C9AB24}">
+                <p16:designElem xmlns:p16="http://schemas.microsoft.com/office/powerpoint/2015/main" val="1"/>
+              </p:ext>
+            </p:extLst>
+          </p:nvPr>
+        </p:nvSpPr>
+        <p:spPr>
+          <a:xfrm>
+            <a:off x="870204" y="865667"/>
+            <a:ext cx="10451592" cy="4389120"/>
+          </a:xfrm>
+          <a:prstGeom prst="rect">
+            <a:avLst/>
+          </a:prstGeom>
+          <a:ln w="50800" cmpd="sng">
+            <a:solidFill>
+              <a:srgbClr val="191919"/>
+            </a:solidFill>
+            <a:miter lim="800000"/>
+          </a:ln>
+          <a:effectLst>
+            <a:innerShdw blurRad="63500" dist="88900" dir="14100000">
+              <a:srgbClr val="000000">
+                <a:alpha val="30000"/>
+              </a:srgbClr>
+            </a:innerShdw>
+          </a:effectLst>
+          <a:scene3d>
+            <a:camera prst="orthographicFront"/>
+            <a:lightRig rig="threePt" dir="t"/>
+          </a:scene3d>
+          <a:sp3d>
+            <a:bevelT prst="relaxedInset"/>
+          </a:sp3d>
+        </p:spPr>
+        <p:style>
+          <a:lnRef idx="1">
+            <a:schemeClr val="accent1"/>
+          </a:lnRef>
+          <a:fillRef idx="1003">
+            <a:schemeClr val="dk2"/>
+          </a:fillRef>
+          <a:effectRef idx="2">
+            <a:schemeClr val="accent1"/>
+          </a:effectRef>
+          <a:fontRef idx="minor">
+            <a:schemeClr val="lt1"/>
+          </a:fontRef>
+        </p:style>
+        <p:txBody>
+          <a:bodyPr rtlCol="0" anchor="ctr"/>
+          <a:lstStyle/>
+          <a:p>
+            <a:pPr algn="ctr"/>
+            <a:endParaRPr lang="en-US"/>
+          </a:p>
+        </p:txBody>
+      </p:sp>
+      <p:sp>
+        <p:nvSpPr>
+          <p:cNvPr id="41" name="Rectangle 40">
+            <a:extLst>
+              <a:ext uri="{FF2B5EF4-FFF2-40B4-BE49-F238E27FC236}">
+                <a16:creationId xmlns:a16="http://schemas.microsoft.com/office/drawing/2014/main" id="{13B31514-E6DF-4357-9EEA-EFB7983080DA}"/>
+              </a:ext>
+              <a:ext uri="{C183D7F6-B498-43B3-948B-1728B52AA6E4}">
+                <adec:decorative xmlns:adec="http://schemas.microsoft.com/office/drawing/2017/decorative" val="1"/>
+              </a:ext>
+            </a:extLst>
+          </p:cNvPr>
+          <p:cNvSpPr>
+            <a:spLocks noGrp="1" noRot="1" noChangeAspect="1" noMove="1" noResize="1" noEditPoints="1" noAdjustHandles="1" noChangeArrowheads="1" noChangeShapeType="1" noTextEdit="1"/>
+          </p:cNvSpPr>
+          <p:nvPr>
+            <p:extLst>
+              <p:ext uri="{386F3935-93C4-4BCD-93E2-E3B085C9AB24}">
+                <p16:designElem xmlns:p16="http://schemas.microsoft.com/office/powerpoint/2015/main" val="1"/>
+              </p:ext>
+            </p:extLst>
+          </p:nvPr>
+        </p:nvSpPr>
+        <p:spPr>
+          <a:xfrm>
+            <a:off x="1034796" y="1030259"/>
+            <a:ext cx="10122408" cy="4059936"/>
+          </a:xfrm>
+          <a:prstGeom prst="rect">
+            <a:avLst/>
+          </a:prstGeom>
+          <a:ln>
+            <a:solidFill>
+              <a:srgbClr val="949494"/>
+            </a:solidFill>
+          </a:ln>
+        </p:spPr>
+        <p:style>
+          <a:lnRef idx="2">
+            <a:schemeClr val="accent1">
+              <a:shade val="50000"/>
+            </a:schemeClr>
+          </a:lnRef>
+          <a:fillRef idx="1003">
+            <a:schemeClr val="lt1"/>
+          </a:fillRef>
+          <a:effectRef idx="0">
+            <a:schemeClr val="accent1"/>
+          </a:effectRef>
+          <a:fontRef idx="minor">
+            <a:schemeClr val="lt1"/>
+          </a:fontRef>
+        </p:style>
+        <p:txBody>
+          <a:bodyPr rtlCol="0" anchor="ctr"/>
+          <a:lstStyle/>
+          <a:p>
+            <a:pPr algn="ctr"/>
+            <a:endParaRPr lang="en-US"/>
+          </a:p>
+        </p:txBody>
+      </p:sp>
+      <p:sp>
+        <p:nvSpPr>
+          <p:cNvPr id="2" name="Title 1">
+            <a:extLst>
+              <a:ext uri="{FF2B5EF4-FFF2-40B4-BE49-F238E27FC236}">
+                <a16:creationId xmlns:a16="http://schemas.microsoft.com/office/drawing/2014/main" id="{3D382162-F66B-9BF5-9867-54B75C3C1B4E}"/>
+              </a:ext>
+            </a:extLst>
+          </p:cNvPr>
+          <p:cNvSpPr>
+            <a:spLocks noGrp="1"/>
+          </p:cNvSpPr>
+          <p:nvPr>
+            <p:ph type="title"/>
+          </p:nvPr>
+        </p:nvSpPr>
+        <p:spPr>
+          <a:xfrm>
+            <a:off x="1557071" y="1584552"/>
+            <a:ext cx="9099255" cy="2537251"/>
+          </a:xfrm>
+        </p:spPr>
+        <p:txBody>
+          <a:bodyPr vert="horz" lIns="91440" tIns="45720" rIns="91440" bIns="0" rtlCol="0" anchor="ctr">
+            <a:normAutofit/>
+          </a:bodyPr>
+          <a:lstStyle/>
+          <a:p>
+            <a:pPr algn="ctr"/>
+            <a:r>
+              <a:rPr lang="en-US" sz="7200" dirty="0">
+                <a:solidFill>
+                  <a:srgbClr val="454545"/>
+                </a:solidFill>
+              </a:rPr>
+              <a:t>objective</a:t>
+            </a:r>
+          </a:p>
+        </p:txBody>
+      </p:sp>
+      <p:sp>
+        <p:nvSpPr>
+          <p:cNvPr id="3" name="Content Placeholder 2">
+            <a:extLst>
+              <a:ext uri="{FF2B5EF4-FFF2-40B4-BE49-F238E27FC236}">
+                <a16:creationId xmlns:a16="http://schemas.microsoft.com/office/drawing/2014/main" id="{50EB7F42-1D17-E5BF-B407-3152C97FDCF7}"/>
+              </a:ext>
+            </a:extLst>
+          </p:cNvPr>
+          <p:cNvSpPr>
+            <a:spLocks noGrp="1"/>
+          </p:cNvSpPr>
+          <p:nvPr>
+            <p:ph idx="1"/>
+          </p:nvPr>
+        </p:nvSpPr>
+        <p:spPr>
+          <a:xfrm>
+            <a:off x="1535372" y="4133234"/>
+            <a:ext cx="9120954" cy="744373"/>
+          </a:xfrm>
+        </p:spPr>
+        <p:txBody>
+          <a:bodyPr vert="horz" lIns="91440" tIns="91440" rIns="91440" bIns="91440" rtlCol="0">
+            <a:normAutofit fontScale="92500"/>
+          </a:bodyPr>
+          <a:lstStyle/>
+          <a:p>
+            <a:pPr marL="0" indent="0" algn="ctr">
+              <a:buNone/>
+            </a:pPr>
+            <a:r>
+              <a:rPr lang="en-US" sz="1800" cap="all" dirty="0"/>
+              <a:t>Create a machine learning model that will successfully predict house prices</a:t>
+            </a:r>
+          </a:p>
+        </p:txBody>
+      </p:sp>
+      <p:pic>
+        <p:nvPicPr>
+          <p:cNvPr id="43" name="Picture 42">
+            <a:extLst>
+              <a:ext uri="{FF2B5EF4-FFF2-40B4-BE49-F238E27FC236}">
+                <a16:creationId xmlns:a16="http://schemas.microsoft.com/office/drawing/2014/main" id="{4C401D57-600A-4C91-AC9A-14CA1ED6F7D8}"/>
+              </a:ext>
+              <a:ext uri="{C183D7F6-B498-43B3-948B-1728B52AA6E4}">
+                <adec:decorative xmlns:adec="http://schemas.microsoft.com/office/drawing/2017/decorative" val="1"/>
+              </a:ext>
+            </a:extLst>
+          </p:cNvPr>
+          <p:cNvPicPr>
+            <a:picLocks noGrp="1" noRot="1" noChangeAspect="1" noMove="1" noResize="1" noEditPoints="1" noAdjustHandles="1" noChangeArrowheads="1" noChangeShapeType="1" noCrop="1"/>
+          </p:cNvPicPr>
+          <p:nvPr>
+            <p:extLst>
+              <p:ext uri="{386F3935-93C4-4BCD-93E2-E3B085C9AB24}">
+                <p16:designElem xmlns:p16="http://schemas.microsoft.com/office/powerpoint/2015/main" val="1"/>
+              </p:ext>
+            </p:extLst>
+          </p:nvPr>
+        </p:nvPicPr>
+        <p:blipFill rotWithShape="1">
+          <a:blip r:embed="rId2">
+            <a:extLst>
+              <a:ext uri="{28A0092B-C50C-407E-A947-70E740481C1C}">
+                <a14:useLocalDpi xmlns:a14="http://schemas.microsoft.com/office/drawing/2010/main" val="0"/>
+              </a:ext>
+            </a:extLst>
+          </a:blip>
+          <a:srcRect t="1538" b="-1538"/>
+          <a:stretch/>
+        </p:blipFill>
+        <p:spPr bwMode="black">
+          <a:xfrm>
+            <a:off x="0" y="6126480"/>
+            <a:ext cx="12192000" cy="742950"/>
+          </a:xfrm>
+          <a:prstGeom prst="rect">
+            <a:avLst/>
+          </a:prstGeom>
+        </p:spPr>
+      </p:pic>
+      <p:cxnSp>
+        <p:nvCxnSpPr>
+          <p:cNvPr id="45" name="Straight Connector 44">
+            <a:extLst>
+              <a:ext uri="{FF2B5EF4-FFF2-40B4-BE49-F238E27FC236}">
+                <a16:creationId xmlns:a16="http://schemas.microsoft.com/office/drawing/2014/main" id="{412BDC66-00FA-4A3F-9BC7-BE05FF7705F8}"/>
               </a:ext>
               <a:ext uri="{C183D7F6-B498-43B3-948B-1728B52AA6E4}">
                 <adec:decorative xmlns:adec="http://schemas.microsoft.com/office/drawing/2017/decorative" val="1"/>
@@ -12099,36 +13957,6 @@
       </p:sp>
       <p:pic>
         <p:nvPicPr>
-          <p:cNvPr id="17" name="Picture 16" descr="A screenshot of a computer&#10;&#10;Description automatically generated">
-            <a:extLst>
-              <a:ext uri="{FF2B5EF4-FFF2-40B4-BE49-F238E27FC236}">
-                <a16:creationId xmlns:a16="http://schemas.microsoft.com/office/drawing/2014/main" id="{C7B32752-5D2E-FB7A-4E2F-9A8F29D31FD5}"/>
-              </a:ext>
-            </a:extLst>
-          </p:cNvPr>
-          <p:cNvPicPr>
-            <a:picLocks noChangeAspect="1"/>
-          </p:cNvPicPr>
-          <p:nvPr/>
-        </p:nvPicPr>
-        <p:blipFill>
-          <a:blip r:embed="rId4"/>
-          <a:stretch>
-            <a:fillRect/>
-          </a:stretch>
-        </p:blipFill>
-        <p:spPr>
-          <a:xfrm>
-            <a:off x="6454769" y="805583"/>
-            <a:ext cx="4239726" cy="4660762"/>
-          </a:xfrm>
-          <a:prstGeom prst="rect">
-            <a:avLst/>
-          </a:prstGeom>
-        </p:spPr>
-      </p:pic>
-      <p:pic>
-        <p:nvPicPr>
           <p:cNvPr id="47" name="Picture 35">
             <a:extLst>
               <a:ext uri="{FF2B5EF4-FFF2-40B4-BE49-F238E27FC236}">
@@ -12252,10 +14080,40 @@
         </p:xfrm>
         <a:graphic>
           <a:graphicData uri="http://schemas.openxmlformats.org/drawingml/2006/diagram">
-            <dgm:relIds xmlns:dgm="http://schemas.openxmlformats.org/drawingml/2006/diagram" xmlns:r="http://schemas.openxmlformats.org/officeDocument/2006/relationships" r:dm="rId5" r:lo="rId6" r:qs="rId7" r:cs="rId8"/>
+            <dgm:relIds xmlns:dgm="http://schemas.openxmlformats.org/drawingml/2006/diagram" xmlns:r="http://schemas.openxmlformats.org/officeDocument/2006/relationships" r:dm="rId4" r:lo="rId5" r:qs="rId6" r:cs="rId7"/>
           </a:graphicData>
         </a:graphic>
       </p:graphicFrame>
+      <p:pic>
+        <p:nvPicPr>
+          <p:cNvPr id="4" name="Picture 3" descr="A screenshot of a computer program&#10;&#10;Description automatically generated with medium confidence">
+            <a:extLst>
+              <a:ext uri="{FF2B5EF4-FFF2-40B4-BE49-F238E27FC236}">
+                <a16:creationId xmlns:a16="http://schemas.microsoft.com/office/drawing/2014/main" id="{66347AE0-027B-4EB7-35F8-309408A52B8E}"/>
+              </a:ext>
+            </a:extLst>
+          </p:cNvPr>
+          <p:cNvPicPr>
+            <a:picLocks noChangeAspect="1"/>
+          </p:cNvPicPr>
+          <p:nvPr/>
+        </p:nvPicPr>
+        <p:blipFill>
+          <a:blip r:embed="rId9"/>
+          <a:stretch>
+            <a:fillRect/>
+          </a:stretch>
+        </p:blipFill>
+        <p:spPr>
+          <a:xfrm>
+            <a:off x="7293273" y="556642"/>
+            <a:ext cx="4177373" cy="4909703"/>
+          </a:xfrm>
+          <a:prstGeom prst="rect">
+            <a:avLst/>
+          </a:prstGeom>
+        </p:spPr>
+      </p:pic>
     </p:spTree>
     <p:extLst>
       <p:ext uri="{BB962C8B-B14F-4D97-AF65-F5344CB8AC3E}">
@@ -12890,36 +14748,6 @@
       </p:grpSp>
       <p:pic>
         <p:nvPicPr>
-          <p:cNvPr id="9" name="Picture 8" descr="A picture containing text, diagram, plan, schematic&#10;&#10;Description automatically generated">
-            <a:extLst>
-              <a:ext uri="{FF2B5EF4-FFF2-40B4-BE49-F238E27FC236}">
-                <a16:creationId xmlns:a16="http://schemas.microsoft.com/office/drawing/2014/main" id="{8560A846-8C81-D729-C179-99B0E137F301}"/>
-              </a:ext>
-            </a:extLst>
-          </p:cNvPr>
-          <p:cNvPicPr>
-            <a:picLocks noChangeAspect="1"/>
-          </p:cNvPicPr>
-          <p:nvPr/>
-        </p:nvPicPr>
-        <p:blipFill>
-          <a:blip r:embed="rId4"/>
-          <a:stretch>
-            <a:fillRect/>
-          </a:stretch>
-        </p:blipFill>
-        <p:spPr>
-          <a:xfrm>
-            <a:off x="4978400" y="907728"/>
-            <a:ext cx="5502505" cy="4236928"/>
-          </a:xfrm>
-          <a:prstGeom prst="rect">
-            <a:avLst/>
-          </a:prstGeom>
-        </p:spPr>
-      </p:pic>
-      <p:pic>
-        <p:nvPicPr>
           <p:cNvPr id="78" name="Picture 77">
             <a:extLst>
               <a:ext uri="{FF2B5EF4-FFF2-40B4-BE49-F238E27FC236}">
@@ -13016,6 +14844,36 @@
           </a:fontRef>
         </p:style>
       </p:cxnSp>
+      <p:pic>
+        <p:nvPicPr>
+          <p:cNvPr id="6" name="Picture 5" descr="A picture containing text, diagram, plan, line&#10;&#10;Description automatically generated">
+            <a:extLst>
+              <a:ext uri="{FF2B5EF4-FFF2-40B4-BE49-F238E27FC236}">
+                <a16:creationId xmlns:a16="http://schemas.microsoft.com/office/drawing/2014/main" id="{6E7C3288-EC52-F1DE-951E-DE845B6F370D}"/>
+              </a:ext>
+            </a:extLst>
+          </p:cNvPr>
+          <p:cNvPicPr>
+            <a:picLocks noChangeAspect="1"/>
+          </p:cNvPicPr>
+          <p:nvPr/>
+        </p:nvPicPr>
+        <p:blipFill>
+          <a:blip r:embed="rId4"/>
+          <a:stretch>
+            <a:fillRect/>
+          </a:stretch>
+        </p:blipFill>
+        <p:spPr>
+          <a:xfrm>
+            <a:off x="5046544" y="881113"/>
+            <a:ext cx="5420084" cy="4227787"/>
+          </a:xfrm>
+          <a:prstGeom prst="rect">
+            <a:avLst/>
+          </a:prstGeom>
+        </p:spPr>
+      </p:pic>
     </p:spTree>
     <p:extLst>
       <p:ext uri="{BB962C8B-B14F-4D97-AF65-F5344CB8AC3E}">
@@ -13318,10 +15176,34 @@
           <a:p>
             <a:r>
               <a:rPr lang="en-US" dirty="0"/>
-              <a:t>One-hot encoded the Suburb, Nearest_stn and Nearest_sch columns</a:t>
+              <a:t>get_dummies was then used on the following </a:t>
             </a:r>
           </a:p>
           <a:p>
+            <a:pPr lvl="1"/>
+            <a:r>
+              <a:rPr lang="en-US" dirty="0"/>
+              <a:t>Suburb </a:t>
+            </a:r>
+          </a:p>
+          <a:p>
+            <a:pPr lvl="1"/>
+            <a:r>
+              <a:rPr lang="en-US" dirty="0"/>
+              <a:t>Nearest_stn </a:t>
+            </a:r>
+          </a:p>
+          <a:p>
+            <a:pPr lvl="1"/>
+            <a:r>
+              <a:rPr lang="en-US" dirty="0"/>
+              <a:t>Nearest_sch</a:t>
+            </a:r>
+          </a:p>
+          <a:p>
+            <a:pPr marL="0" indent="0">
+              <a:buNone/>
+            </a:pPr>
             <a:endParaRPr lang="en-AU" dirty="0"/>
           </a:p>
         </p:txBody>
@@ -13603,7 +15485,7 @@
           <p:nvPr/>
         </p:nvPicPr>
         <p:blipFill>
-          <a:blip r:embed="rId2"/>
+          <a:blip r:embed="rId3"/>
           <a:stretch>
             <a:fillRect/>
           </a:stretch>
@@ -13642,7 +15524,7 @@
           </p:nvPr>
         </p:nvPicPr>
         <p:blipFill rotWithShape="1">
-          <a:blip r:embed="rId3">
+          <a:blip r:embed="rId4">
             <a:extLst>
               <a:ext uri="{28A0092B-C50C-407E-A947-70E740481C1C}">
                 <a14:useLocalDpi xmlns:a14="http://schemas.microsoft.com/office/drawing/2010/main" val="0"/>
@@ -13824,8 +15706,8 @@
         </p:nvSpPr>
         <p:spPr>
           <a:xfrm>
-            <a:off x="1451580" y="2015734"/>
-            <a:ext cx="4533583" cy="3450613"/>
+            <a:off x="3071921" y="2058127"/>
+            <a:ext cx="4514024" cy="643543"/>
           </a:xfrm>
         </p:spPr>
         <p:txBody>
@@ -13834,34 +15716,146 @@
           </a:bodyPr>
           <a:lstStyle/>
           <a:p>
+            <a:pPr marL="0" indent="0" defTabSz="905256">
+              <a:spcBef>
+                <a:spcPts val="990"/>
+              </a:spcBef>
+              <a:buNone/>
+            </a:pPr>
             <a:r>
-              <a:rPr lang="en-US" dirty="0"/>
+              <a:rPr lang="en-US" sz="2200" kern="1200" dirty="0">
+                <a:solidFill>
+                  <a:schemeClr val="tx1"/>
+                </a:solidFill>
+                <a:effectLst/>
+                <a:latin typeface="+mn-lt"/>
+                <a:ea typeface="+mn-ea"/>
+                <a:cs typeface="+mn-cs"/>
+              </a:rPr>
               <a:t>Model 1 – Linear Regression Model</a:t>
             </a:r>
           </a:p>
           <a:p>
+            <a:endParaRPr lang="en-AU" dirty="0"/>
+          </a:p>
+        </p:txBody>
+      </p:sp>
+      <p:sp>
+        <p:nvSpPr>
+          <p:cNvPr id="4" name="TextBox 3">
+            <a:extLst>
+              <a:ext uri="{FF2B5EF4-FFF2-40B4-BE49-F238E27FC236}">
+                <a16:creationId xmlns:a16="http://schemas.microsoft.com/office/drawing/2014/main" id="{7BB027DD-E50B-400C-D640-9D765CA497C1}"/>
+              </a:ext>
+            </a:extLst>
+          </p:cNvPr>
+          <p:cNvSpPr txBox="1"/>
+          <p:nvPr/>
+        </p:nvSpPr>
+        <p:spPr>
+          <a:xfrm>
+            <a:off x="1637109" y="5564337"/>
+            <a:ext cx="5757379" cy="784830"/>
+          </a:xfrm>
+          <a:prstGeom prst="rect">
+            <a:avLst/>
+          </a:prstGeom>
+          <a:noFill/>
+        </p:spPr>
+        <p:txBody>
+          <a:bodyPr wrap="square" rtlCol="0">
+            <a:spAutoFit/>
+          </a:bodyPr>
+          <a:lstStyle/>
+          <a:p>
+            <a:pPr defTabSz="452628">
+              <a:spcAft>
+                <a:spcPts val="600"/>
+              </a:spcAft>
+            </a:pPr>
             <a:r>
-              <a:rPr lang="en-US" dirty="0"/>
+              <a:rPr lang="en-US" sz="2200" kern="1200" dirty="0">
+                <a:solidFill>
+                  <a:schemeClr val="tx1"/>
+                </a:solidFill>
+                <a:latin typeface="+mn-lt"/>
+                <a:ea typeface="+mn-ea"/>
+                <a:cs typeface="+mn-cs"/>
+              </a:rPr>
+              <a:t>Model 3 – Random Forest Regression Model</a:t>
+            </a:r>
+          </a:p>
+          <a:p>
+            <a:pPr>
+              <a:spcAft>
+                <a:spcPts val="600"/>
+              </a:spcAft>
+            </a:pPr>
+            <a:endParaRPr lang="en-AU" dirty="0"/>
+          </a:p>
+        </p:txBody>
+      </p:sp>
+      <p:sp>
+        <p:nvSpPr>
+          <p:cNvPr id="5" name="TextBox 4">
+            <a:extLst>
+              <a:ext uri="{FF2B5EF4-FFF2-40B4-BE49-F238E27FC236}">
+                <a16:creationId xmlns:a16="http://schemas.microsoft.com/office/drawing/2014/main" id="{AAAAA65A-38E1-D6FA-CB1D-4C8CE2D7824A}"/>
+              </a:ext>
+            </a:extLst>
+          </p:cNvPr>
+          <p:cNvSpPr txBox="1"/>
+          <p:nvPr/>
+        </p:nvSpPr>
+        <p:spPr>
+          <a:xfrm>
+            <a:off x="313000" y="2800498"/>
+            <a:ext cx="5158408" cy="784830"/>
+          </a:xfrm>
+          <a:prstGeom prst="rect">
+            <a:avLst/>
+          </a:prstGeom>
+          <a:noFill/>
+        </p:spPr>
+        <p:txBody>
+          <a:bodyPr wrap="square" rtlCol="0">
+            <a:spAutoFit/>
+          </a:bodyPr>
+          <a:lstStyle/>
+          <a:p>
+            <a:pPr defTabSz="452628">
+              <a:spcAft>
+                <a:spcPts val="600"/>
+              </a:spcAft>
+            </a:pPr>
+            <a:r>
+              <a:rPr lang="en-US" sz="2200" kern="1200" dirty="0">
+                <a:solidFill>
+                  <a:schemeClr val="tx1"/>
+                </a:solidFill>
+                <a:latin typeface="+mn-lt"/>
+                <a:ea typeface="+mn-ea"/>
+                <a:cs typeface="+mn-cs"/>
+              </a:rPr>
               <a:t>Model 2 – Decision Tree Regression Model</a:t>
             </a:r>
           </a:p>
           <a:p>
-            <a:r>
-              <a:rPr lang="en-US" dirty="0"/>
-              <a:t>Model 3 – Random Forest Regression Model</a:t>
-            </a:r>
-          </a:p>
-          <a:p>
+            <a:pPr>
+              <a:spcAft>
+                <a:spcPts val="600"/>
+              </a:spcAft>
+            </a:pPr>
             <a:endParaRPr lang="en-AU" dirty="0"/>
           </a:p>
         </p:txBody>
       </p:sp>
       <p:pic>
         <p:nvPicPr>
-          <p:cNvPr id="11" name="Picture 10" descr="A picture containing text, screenshot, font&#10;&#10;Description automatically generated">
+          <p:cNvPr id="7" name="Picture 6" descr="A screen shot of a computer&#10;&#10;Description automatically generated with medium confidence">
             <a:extLst>
               <a:ext uri="{FF2B5EF4-FFF2-40B4-BE49-F238E27FC236}">
-                <a16:creationId xmlns:a16="http://schemas.microsoft.com/office/drawing/2014/main" id="{CE9F130D-CD3D-96D4-D502-C0255A70F625}"/>
+                <a16:creationId xmlns:a16="http://schemas.microsoft.com/office/drawing/2014/main" id="{44BD70B5-CE46-8ACC-01F6-DCFBDA4D0BD3}"/>
               </a:ext>
             </a:extLst>
           </p:cNvPr>
@@ -13878,8 +15872,8 @@
         </p:blipFill>
         <p:spPr>
           <a:xfrm>
-            <a:off x="6128968" y="3039033"/>
-            <a:ext cx="2391342" cy="960668"/>
+            <a:off x="7585945" y="1959299"/>
+            <a:ext cx="4477375" cy="1991003"/>
           </a:xfrm>
           <a:prstGeom prst="rect">
             <a:avLst/>
@@ -13888,10 +15882,10 @@
       </p:pic>
       <p:pic>
         <p:nvPicPr>
-          <p:cNvPr id="15" name="Picture 14" descr="A picture containing text, screenshot, font&#10;&#10;Description automatically generated">
+          <p:cNvPr id="9" name="Picture 8" descr="A picture containing text, screenshot, software, font&#10;&#10;Description automatically generated">
             <a:extLst>
               <a:ext uri="{FF2B5EF4-FFF2-40B4-BE49-F238E27FC236}">
-                <a16:creationId xmlns:a16="http://schemas.microsoft.com/office/drawing/2014/main" id="{6856DD1E-16F9-1D2C-AD7A-8598B571A40E}"/>
+                <a16:creationId xmlns:a16="http://schemas.microsoft.com/office/drawing/2014/main" id="{68F41C56-FC91-DC60-7204-5B7BE9CB47F2}"/>
               </a:ext>
             </a:extLst>
           </p:cNvPr>
@@ -13908,8 +15902,8 @@
         </p:blipFill>
         <p:spPr>
           <a:xfrm>
-            <a:off x="8664115" y="2197962"/>
-            <a:ext cx="2390738" cy="681360"/>
+            <a:off x="313000" y="3242124"/>
+            <a:ext cx="6154009" cy="2000529"/>
           </a:xfrm>
           <a:prstGeom prst="rect">
             <a:avLst/>
@@ -13918,10 +15912,10 @@
       </p:pic>
       <p:pic>
         <p:nvPicPr>
-          <p:cNvPr id="13" name="Picture 12" descr="A picture containing text, screenshot, font&#10;&#10;Description automatically generated">
+          <p:cNvPr id="12" name="Picture 11" descr="A screen shot of a computer program&#10;&#10;Description automatically generated with low confidence">
             <a:extLst>
               <a:ext uri="{FF2B5EF4-FFF2-40B4-BE49-F238E27FC236}">
-                <a16:creationId xmlns:a16="http://schemas.microsoft.com/office/drawing/2014/main" id="{7A4ED7D5-8E96-63C9-6B5D-69379AFE831B}"/>
+                <a16:creationId xmlns:a16="http://schemas.microsoft.com/office/drawing/2014/main" id="{F734776D-A47F-B8E9-4E34-F756AFEE16D0}"/>
               </a:ext>
             </a:extLst>
           </p:cNvPr>
@@ -13938,8 +15932,8 @@
         </p:blipFill>
         <p:spPr>
           <a:xfrm>
-            <a:off x="8664115" y="4319358"/>
-            <a:ext cx="2390738" cy="650962"/>
+            <a:off x="6871470" y="4052952"/>
+            <a:ext cx="5191850" cy="2000529"/>
           </a:xfrm>
           <a:prstGeom prst="rect">
             <a:avLst/>
@@ -14550,10 +16544,10 @@
       </p:sp>
       <p:pic>
         <p:nvPicPr>
-          <p:cNvPr id="11" name="Picture 10" descr="A picture containing text, font, screenshot&#10;&#10;Description automatically generated">
+          <p:cNvPr id="4" name="Picture 3" descr="A picture containing text, font, screenshot&#10;&#10;Description automatically generated">
             <a:extLst>
               <a:ext uri="{FF2B5EF4-FFF2-40B4-BE49-F238E27FC236}">
-                <a16:creationId xmlns:a16="http://schemas.microsoft.com/office/drawing/2014/main" id="{2DF864FF-757F-ADB5-BE08-5F5EF9B8FFEF}"/>
+                <a16:creationId xmlns:a16="http://schemas.microsoft.com/office/drawing/2014/main" id="{B82E706E-1261-879C-A1A6-4FA3A40B4F41}"/>
               </a:ext>
             </a:extLst>
           </p:cNvPr>
@@ -14570,8 +16564,8 @@
         </p:blipFill>
         <p:spPr>
           <a:xfrm>
-            <a:off x="923334" y="3136753"/>
-            <a:ext cx="3915321" cy="1114581"/>
+            <a:off x="1447191" y="2939832"/>
+            <a:ext cx="3781953" cy="1152686"/>
           </a:xfrm>
           <a:prstGeom prst="rect">
             <a:avLst/>
@@ -14580,10 +16574,10 @@
       </p:pic>
       <p:pic>
         <p:nvPicPr>
-          <p:cNvPr id="13" name="Picture 12" descr="A picture containing text, font, screenshot&#10;&#10;Description automatically generated">
+          <p:cNvPr id="6" name="Picture 5" descr="A picture containing text, font, screenshot&#10;&#10;Description automatically generated">
             <a:extLst>
               <a:ext uri="{FF2B5EF4-FFF2-40B4-BE49-F238E27FC236}">
-                <a16:creationId xmlns:a16="http://schemas.microsoft.com/office/drawing/2014/main" id="{20CDE953-1E3C-D73A-061A-5C36BD9EC9DC}"/>
+                <a16:creationId xmlns:a16="http://schemas.microsoft.com/office/drawing/2014/main" id="{C5B9EB70-CD9A-868D-EE58-812C842B448B}"/>
               </a:ext>
             </a:extLst>
           </p:cNvPr>
@@ -14600,8 +16594,8 @@
         </p:blipFill>
         <p:spPr>
           <a:xfrm>
-            <a:off x="4166918" y="4473571"/>
-            <a:ext cx="3858163" cy="1047896"/>
+            <a:off x="4425764" y="4366222"/>
+            <a:ext cx="3887638" cy="1134299"/>
           </a:xfrm>
           <a:prstGeom prst="rect">
             <a:avLst/>
@@ -14610,10 +16604,10 @@
       </p:pic>
       <p:pic>
         <p:nvPicPr>
-          <p:cNvPr id="15" name="Picture 14" descr="A picture containing text, font, screenshot&#10;&#10;Description automatically generated">
+          <p:cNvPr id="12" name="Picture 11" descr="A picture containing text, font, screenshot&#10;&#10;Description automatically generated">
             <a:extLst>
               <a:ext uri="{FF2B5EF4-FFF2-40B4-BE49-F238E27FC236}">
-                <a16:creationId xmlns:a16="http://schemas.microsoft.com/office/drawing/2014/main" id="{5A174579-8CE2-FFCA-21C6-63D05448C510}"/>
+                <a16:creationId xmlns:a16="http://schemas.microsoft.com/office/drawing/2014/main" id="{34F77011-F508-CD58-4759-EE3451707974}"/>
               </a:ext>
             </a:extLst>
           </p:cNvPr>
@@ -14630,8 +16624,8 @@
         </p:blipFill>
         <p:spPr>
           <a:xfrm>
-            <a:off x="7699737" y="2975212"/>
-            <a:ext cx="3877216" cy="1086002"/>
+            <a:off x="7167215" y="2940990"/>
+            <a:ext cx="3887637" cy="1151528"/>
           </a:xfrm>
           <a:prstGeom prst="rect">
             <a:avLst/>
@@ -14777,64 +16771,6 @@
           </a:p>
         </p:txBody>
       </p:sp>
-      <p:pic>
-        <p:nvPicPr>
-          <p:cNvPr id="23" name="Content Placeholder 22" descr="A picture containing diagram, map, screenshot, text&#10;&#10;Description automatically generated">
-            <a:extLst>
-              <a:ext uri="{FF2B5EF4-FFF2-40B4-BE49-F238E27FC236}">
-                <a16:creationId xmlns:a16="http://schemas.microsoft.com/office/drawing/2014/main" id="{503D377D-31A4-94F3-4D12-B5ADC397B65D}"/>
-              </a:ext>
-            </a:extLst>
-          </p:cNvPr>
-          <p:cNvPicPr>
-            <a:picLocks noGrp="1" noChangeAspect="1"/>
-          </p:cNvPicPr>
-          <p:nvPr>
-            <p:ph sz="quarter" idx="4"/>
-          </p:nvPr>
-        </p:nvPicPr>
-        <p:blipFill>
-          <a:blip r:embed="rId3"/>
-          <a:stretch>
-            <a:fillRect/>
-          </a:stretch>
-        </p:blipFill>
-        <p:spPr>
-          <a:xfrm>
-            <a:off x="8379743" y="2820988"/>
-            <a:ext cx="2675109" cy="1783406"/>
-          </a:xfrm>
-        </p:spPr>
-      </p:pic>
-      <p:pic>
-        <p:nvPicPr>
-          <p:cNvPr id="21" name="Content Placeholder 20" descr="A picture containing map, diagram, text, screenshot&#10;&#10;Description automatically generated">
-            <a:extLst>
-              <a:ext uri="{FF2B5EF4-FFF2-40B4-BE49-F238E27FC236}">
-                <a16:creationId xmlns:a16="http://schemas.microsoft.com/office/drawing/2014/main" id="{753E9F91-44FB-0DA9-D701-3685C94E16B6}"/>
-              </a:ext>
-            </a:extLst>
-          </p:cNvPr>
-          <p:cNvPicPr>
-            <a:picLocks noGrp="1" noChangeAspect="1"/>
-          </p:cNvPicPr>
-          <p:nvPr>
-            <p:ph sz="half" idx="2"/>
-          </p:nvPr>
-        </p:nvPicPr>
-        <p:blipFill>
-          <a:blip r:embed="rId4"/>
-          <a:stretch>
-            <a:fillRect/>
-          </a:stretch>
-        </p:blipFill>
-        <p:spPr>
-          <a:xfrm>
-            <a:off x="1447191" y="2819978"/>
-            <a:ext cx="2676624" cy="1784416"/>
-          </a:xfrm>
-        </p:spPr>
-      </p:pic>
       <p:sp>
         <p:nvSpPr>
           <p:cNvPr id="19" name="TextBox 18">
@@ -14871,36 +16807,6 @@
           </a:p>
         </p:txBody>
       </p:sp>
-      <p:pic>
-        <p:nvPicPr>
-          <p:cNvPr id="25" name="Picture 24" descr="A picture containing text, diagram, map, screenshot&#10;&#10;Description automatically generated">
-            <a:extLst>
-              <a:ext uri="{FF2B5EF4-FFF2-40B4-BE49-F238E27FC236}">
-                <a16:creationId xmlns:a16="http://schemas.microsoft.com/office/drawing/2014/main" id="{C3C6AA87-ACC3-749E-E652-EF0303909771}"/>
-              </a:ext>
-            </a:extLst>
-          </p:cNvPr>
-          <p:cNvPicPr>
-            <a:picLocks noChangeAspect="1"/>
-          </p:cNvPicPr>
-          <p:nvPr/>
-        </p:nvPicPr>
-        <p:blipFill>
-          <a:blip r:embed="rId5"/>
-          <a:stretch>
-            <a:fillRect/>
-          </a:stretch>
-        </p:blipFill>
-        <p:spPr>
-          <a:xfrm>
-            <a:off x="4906937" y="2819978"/>
-            <a:ext cx="2676624" cy="1784416"/>
-          </a:xfrm>
-          <a:prstGeom prst="rect">
-            <a:avLst/>
-          </a:prstGeom>
-        </p:spPr>
-      </p:pic>
       <p:sp>
         <p:nvSpPr>
           <p:cNvPr id="4" name="TextBox 3">
@@ -14931,7 +16837,7 @@
           <a:p>
             <a:r>
               <a:rPr lang="en-US" dirty="0"/>
-              <a:t>Score 77.27%</a:t>
+              <a:t>Score 77.30%</a:t>
             </a:r>
             <a:endParaRPr lang="en-AU" dirty="0"/>
           </a:p>
@@ -14967,7 +16873,7 @@
           <a:p>
             <a:r>
               <a:rPr lang="en-US" dirty="0"/>
-              <a:t>Score 67.14%</a:t>
+              <a:t>Score 66.83%</a:t>
             </a:r>
             <a:endParaRPr lang="en-AU" dirty="0"/>
           </a:p>
@@ -15003,12 +16909,102 @@
           <a:p>
             <a:r>
               <a:rPr lang="en-US" dirty="0"/>
-              <a:t>Score 75.84%</a:t>
+              <a:t>Score 75.78%</a:t>
             </a:r>
             <a:endParaRPr lang="en-AU" dirty="0"/>
           </a:p>
         </p:txBody>
       </p:sp>
+      <p:pic>
+        <p:nvPicPr>
+          <p:cNvPr id="13" name="Picture 12" descr="A picture containing map, text, diagram, screenshot&#10;&#10;Description automatically generated">
+            <a:extLst>
+              <a:ext uri="{FF2B5EF4-FFF2-40B4-BE49-F238E27FC236}">
+                <a16:creationId xmlns:a16="http://schemas.microsoft.com/office/drawing/2014/main" id="{F97607FC-B01D-A6A4-95AA-6985B5CF1BF2}"/>
+              </a:ext>
+            </a:extLst>
+          </p:cNvPr>
+          <p:cNvPicPr>
+            <a:picLocks noChangeAspect="1"/>
+          </p:cNvPicPr>
+          <p:nvPr/>
+        </p:nvPicPr>
+        <p:blipFill>
+          <a:blip r:embed="rId3"/>
+          <a:stretch>
+            <a:fillRect/>
+          </a:stretch>
+        </p:blipFill>
+        <p:spPr>
+          <a:xfrm>
+            <a:off x="1447191" y="2778329"/>
+            <a:ext cx="2982245" cy="1988163"/>
+          </a:xfrm>
+          <a:prstGeom prst="rect">
+            <a:avLst/>
+          </a:prstGeom>
+        </p:spPr>
+      </p:pic>
+      <p:pic>
+        <p:nvPicPr>
+          <p:cNvPr id="15" name="Picture 14" descr="A picture containing text, diagram, map, screenshot&#10;&#10;Description automatically generated">
+            <a:extLst>
+              <a:ext uri="{FF2B5EF4-FFF2-40B4-BE49-F238E27FC236}">
+                <a16:creationId xmlns:a16="http://schemas.microsoft.com/office/drawing/2014/main" id="{05F2AC80-224E-6685-BF48-2CAEE3BD74F6}"/>
+              </a:ext>
+            </a:extLst>
+          </p:cNvPr>
+          <p:cNvPicPr>
+            <a:picLocks noChangeAspect="1"/>
+          </p:cNvPicPr>
+          <p:nvPr/>
+        </p:nvPicPr>
+        <p:blipFill>
+          <a:blip r:embed="rId4"/>
+          <a:stretch>
+            <a:fillRect/>
+          </a:stretch>
+        </p:blipFill>
+        <p:spPr>
+          <a:xfrm>
+            <a:off x="4782330" y="2816763"/>
+            <a:ext cx="2982245" cy="1988163"/>
+          </a:xfrm>
+          <a:prstGeom prst="rect">
+            <a:avLst/>
+          </a:prstGeom>
+        </p:spPr>
+      </p:pic>
+      <p:pic>
+        <p:nvPicPr>
+          <p:cNvPr id="17" name="Picture 16" descr="A picture containing text, diagram, screenshot, map&#10;&#10;Description automatically generated">
+            <a:extLst>
+              <a:ext uri="{FF2B5EF4-FFF2-40B4-BE49-F238E27FC236}">
+                <a16:creationId xmlns:a16="http://schemas.microsoft.com/office/drawing/2014/main" id="{BEB735D9-697E-F88F-0AEA-A9D59651B6FC}"/>
+              </a:ext>
+            </a:extLst>
+          </p:cNvPr>
+          <p:cNvPicPr>
+            <a:picLocks noChangeAspect="1"/>
+          </p:cNvPicPr>
+          <p:nvPr/>
+        </p:nvPicPr>
+        <p:blipFill>
+          <a:blip r:embed="rId5"/>
+          <a:stretch>
+            <a:fillRect/>
+          </a:stretch>
+        </p:blipFill>
+        <p:spPr>
+          <a:xfrm>
+            <a:off x="8072006" y="2816763"/>
+            <a:ext cx="2982246" cy="1988164"/>
+          </a:xfrm>
+          <a:prstGeom prst="rect">
+            <a:avLst/>
+          </a:prstGeom>
+        </p:spPr>
+      </p:pic>
     </p:spTree>
     <p:extLst>
       <p:ext uri="{BB962C8B-B14F-4D97-AF65-F5344CB8AC3E}">

--- a/Exploring perth house prices.pptx
+++ b/Exploring perth house prices.pptx
@@ -3650,7 +3650,7 @@
           <a:p>
             <a:fld id="{C044FC31-B28D-47B3-AEBC-64ECB8F8BE2D}" type="datetimeFigureOut">
               <a:rPr lang="en-AU" smtClean="0"/>
-              <a:t>30/05/2023</a:t>
+              <a:t>31/05/2023</a:t>
             </a:fld>
             <a:endParaRPr lang="en-AU"/>
           </a:p>
@@ -3964,7 +3964,7 @@
           <a:p>
             <a:r>
               <a:rPr lang="en-AU" dirty="0"/>
-              <a:t>I had initially wanted to do a project based around Spotify and Genres (specifically rock and metal music)  I searched online for a suitable dataset but was unable to find one that suited my specific needs. I looked at using a Spotify API but wasn’t fully confident in being able to do that. I briefly considered looking at the ASX but thought to look at Australian Housing market and was lucky enough to come across the Perth House Prices Data set on Kaggle. It gave lots of information and I felt confident in being able to create a project from this.</a:t>
+              <a:t>I had initially wanted to do a project based around Spotify and Genres (specifically rock and metal music)  I searched online for a suitable dataset but was unable to find one that suited my specific needs. I looked at using a Spotify API but wasn’t fully confident in being able to do that. I briefly considered looking at the ASX for suitable datasets but also looked at Australian Housing market and was lucky enough to come across the Perth House Prices Data set on Kaggle. It gave lots of information and I felt confident in being able to create a project from this.</a:t>
             </a:r>
           </a:p>
         </p:txBody>
@@ -4135,6 +4135,15 @@
           <a:p>
             <a:r>
               <a:rPr lang="en-AU" dirty="0"/>
+              <a:t>“Read the slide”</a:t>
+            </a:r>
+          </a:p>
+          <a:p>
+            <a:endParaRPr lang="en-AU" dirty="0"/>
+          </a:p>
+          <a:p>
+            <a:r>
+              <a:rPr lang="en-AU" dirty="0"/>
               <a:t>I had initially planned to remove all the data relating to the </a:t>
             </a:r>
             <a:r>
@@ -4244,18 +4253,19 @@
                 <a:effectLst/>
                 <a:latin typeface="Consolas" panose="020B0609020204030204" pitchFamily="49" charset="0"/>
               </a:rPr>
-              <a:t>The bedrooms, bathrooms, garage wand </a:t>
+              <a:t>Once I had cleaned the data. I created these histograms for the remaining data.</a:t>
             </a:r>
-            <a:r>
-              <a:rPr lang="en-US" b="0" dirty="0" err="1">
-                <a:solidFill>
-                  <a:srgbClr val="CCCCCC"/>
-                </a:solidFill>
-                <a:effectLst/>
-                <a:latin typeface="Consolas" panose="020B0609020204030204" pitchFamily="49" charset="0"/>
-              </a:rPr>
-              <a:t>floor_area</a:t>
-            </a:r>
+          </a:p>
+          <a:p>
+            <a:endParaRPr lang="en-US" b="0" dirty="0">
+              <a:solidFill>
+                <a:srgbClr val="CCCCCC"/>
+              </a:solidFill>
+              <a:effectLst/>
+              <a:latin typeface="Consolas" panose="020B0609020204030204" pitchFamily="49" charset="0"/>
+            </a:endParaRPr>
+          </a:p>
+          <a:p>
             <a:r>
               <a:rPr lang="en-US" b="0" dirty="0">
                 <a:solidFill>
@@ -4264,7 +4274,7 @@
                 <a:effectLst/>
                 <a:latin typeface="Consolas" panose="020B0609020204030204" pitchFamily="49" charset="0"/>
               </a:rPr>
-              <a:t> columns were all cleaned and any outliers were updated to represent the median value for each column. Floor Area was updated to represent the 25</a:t>
+              <a:t>The bedrooms, bathrooms, garage and floor area columns were all cleaned, and any outliers were updated to represent the median value for each column. Floor Area was updated to represent the 25</a:t>
             </a:r>
             <a:r>
               <a:rPr lang="en-US" b="0" baseline="30000" dirty="0">
@@ -4285,6 +4295,27 @@
                 <a:latin typeface="Consolas" panose="020B0609020204030204" pitchFamily="49" charset="0"/>
               </a:rPr>
               <a:t> percentile as I believe this would be a better representation of the Floor Area data.</a:t>
+            </a:r>
+          </a:p>
+          <a:p>
+            <a:endParaRPr lang="en-US" b="0" dirty="0">
+              <a:solidFill>
+                <a:srgbClr val="CCCCCC"/>
+              </a:solidFill>
+              <a:effectLst/>
+              <a:latin typeface="Consolas" panose="020B0609020204030204" pitchFamily="49" charset="0"/>
+            </a:endParaRPr>
+          </a:p>
+          <a:p>
+            <a:r>
+              <a:rPr lang="en-US" b="0" dirty="0">
+                <a:solidFill>
+                  <a:srgbClr val="CCCCCC"/>
+                </a:solidFill>
+                <a:effectLst/>
+                <a:latin typeface="Consolas" panose="020B0609020204030204" pitchFamily="49" charset="0"/>
+              </a:rPr>
+              <a:t>I had also attempted to clean the Land Area data, but this made little to no difference to the histogram and resulted in a poor test score on the Linear Regression Model. So, in the end decided to not adjust the Land Area data.</a:t>
             </a:r>
           </a:p>
           <a:p>
@@ -4336,7 +4367,7 @@
                 <a:effectLst/>
                 <a:latin typeface="Consolas" panose="020B0609020204030204" pitchFamily="49" charset="0"/>
               </a:rPr>
-              <a:t> A typical Perth house has 2 bathrooms, 4 bedrooms, is built after 1975 with a floor area of around 200sqm, a double garage and is close to schools.</a:t>
+              <a:t> A typical Perth house has 2 bathrooms, 4 bedrooms, is built after 1975 with a floor area of around 200m2, a double garage and is close to schools.</a:t>
             </a:r>
           </a:p>
           <a:p>
@@ -4505,7 +4536,96 @@
             </a:pPr>
             <a:r>
               <a:rPr lang="en-US" dirty="0"/>
-              <a:t>Get_dummies was used to transform these categorical variables into a format suitable for the Machine Learning models which would then produce better performance by the models.</a:t>
+              <a:t>Get_dummies was used to transform these categorical variables into a format suitable for the Machine Learning models which would then produce better performance by the models. </a:t>
+            </a:r>
+          </a:p>
+          <a:p>
+            <a:pPr marL="0" marR="0" lvl="0" indent="0" algn="l" defTabSz="914400" rtl="0" eaLnBrk="1" fontAlgn="auto" latinLnBrk="0" hangingPunct="1">
+              <a:lnSpc>
+                <a:spcPct val="100000"/>
+              </a:lnSpc>
+              <a:spcBef>
+                <a:spcPts val="0"/>
+              </a:spcBef>
+              <a:spcAft>
+                <a:spcPts val="0"/>
+              </a:spcAft>
+              <a:buClrTx/>
+              <a:buSzTx/>
+              <a:buFontTx/>
+              <a:buNone/>
+              <a:tabLst/>
+              <a:defRPr/>
+            </a:pPr>
+            <a:endParaRPr lang="en-US" dirty="0"/>
+          </a:p>
+          <a:p>
+            <a:pPr marL="0" marR="0" lvl="0" indent="0" algn="l" defTabSz="914400" rtl="0" eaLnBrk="1" fontAlgn="auto" latinLnBrk="0" hangingPunct="1">
+              <a:lnSpc>
+                <a:spcPct val="100000"/>
+              </a:lnSpc>
+              <a:spcBef>
+                <a:spcPts val="0"/>
+              </a:spcBef>
+              <a:spcAft>
+                <a:spcPts val="0"/>
+              </a:spcAft>
+              <a:buClrTx/>
+              <a:buSzTx/>
+              <a:buFontTx/>
+              <a:buNone/>
+              <a:tabLst/>
+              <a:defRPr/>
+            </a:pPr>
+            <a:r>
+              <a:rPr lang="en-US" dirty="0"/>
+              <a:t>Suburb</a:t>
+            </a:r>
+          </a:p>
+          <a:p>
+            <a:pPr marL="0" marR="0" lvl="0" indent="0" algn="l" defTabSz="914400" rtl="0" eaLnBrk="1" fontAlgn="auto" latinLnBrk="0" hangingPunct="1">
+              <a:lnSpc>
+                <a:spcPct val="100000"/>
+              </a:lnSpc>
+              <a:spcBef>
+                <a:spcPts val="0"/>
+              </a:spcBef>
+              <a:spcAft>
+                <a:spcPts val="0"/>
+              </a:spcAft>
+              <a:buClrTx/>
+              <a:buSzTx/>
+              <a:buFontTx/>
+              <a:buNone/>
+              <a:tabLst/>
+              <a:defRPr/>
+            </a:pPr>
+            <a:r>
+              <a:rPr lang="en-US" dirty="0"/>
+              <a:t>Nearest Station</a:t>
+            </a:r>
+          </a:p>
+          <a:p>
+            <a:pPr marL="0" marR="0" lvl="0" indent="0" algn="l" defTabSz="914400" rtl="0" eaLnBrk="1" fontAlgn="auto" latinLnBrk="0" hangingPunct="1">
+              <a:lnSpc>
+                <a:spcPct val="100000"/>
+              </a:lnSpc>
+              <a:spcBef>
+                <a:spcPts val="0"/>
+              </a:spcBef>
+              <a:spcAft>
+                <a:spcPts val="0"/>
+              </a:spcAft>
+              <a:buClrTx/>
+              <a:buSzTx/>
+              <a:buFontTx/>
+              <a:buNone/>
+              <a:tabLst/>
+              <a:defRPr/>
+            </a:pPr>
+            <a:r>
+              <a:rPr lang="en-US" dirty="0"/>
+              <a:t>Nearest School</a:t>
             </a:r>
           </a:p>
           <a:p>
@@ -4595,7 +4715,7 @@
           <a:p>
             <a:r>
               <a:rPr lang="en-AU" dirty="0"/>
-              <a:t>When it had come time to decide what model to use for the machine learning I looked back through class notes and decided to go with the Logistic Regression model, however this one did not work very well. It was taking up to 20-25 minutes to run and my scores were rock bottom. I did some research and realised I had chosen poorly, and that Linear Regression was the best suited model to the data set that I was using. Once I made these changes the model ran much better and was able to achieve a good result. </a:t>
+              <a:t>When it had come time to decide what model to use for the machine learning I looked back through class notes and decided to go with the Logistic Regression model, however this one did not work very well. It was taking up to 20-25 minutes to run and my scores were rock bottom. I did some research and realised I had chosen poorly, and that Linear Regression was the best suited model for the data set that I was using. Once I made these changes the model ran much better and was able to achieve a good result. </a:t>
             </a:r>
           </a:p>
           <a:p>
@@ -4604,7 +4724,7 @@
           <a:p>
             <a:r>
               <a:rPr lang="en-AU" dirty="0"/>
-              <a:t>I wanted to try at running a second model to see if I could achieve a greater score than I had with the Linear Regression?  I once again chose poorly and went with the Decision Tree Classifier. When it came to creating a confusion matrix I continually was given error after error no matter what I tried.  Through discussion with my instructor, it was decided to try an alternate model.</a:t>
+              <a:t>I wanted to try at running a second model to see if I could achieve a greater score than I had with the Linear Regression?  I once again chose poorly and went with the Decision Tree Classifier. When it came to creating a confusion matrix, I continually was given error after error no matter what I tried.  Through discussion with my instructors, it was decided to try an alternate model.</a:t>
             </a:r>
           </a:p>
           <a:p>
@@ -4613,7 +4733,7 @@
           <a:p>
             <a:r>
               <a:rPr lang="en-AU" dirty="0"/>
-              <a:t>This time I decided to work on a Random Forest Classifier model. Initially I was running with high parameters and reduced these to a lower value. When running the predict model I was getting an error and after some investigation it was discovered that I was running a classifier model and not a regression model, so once I made the changes and ran it as a Deep Forest Regressor Model everything worked and I was able to get a result.</a:t>
+              <a:t>This time I decided to work on a Random Forest Classifier model. Initially I was running with high parameters and getting errors so reduced these to a lower value. When running the predict model I was getting an error and after some investigation it was discovered that I was running a classifier model and not a regression model, so once I made the changes and ran it as a Random Forest Regressor Model everything worked, and I was able to get a result.</a:t>
             </a:r>
           </a:p>
           <a:p>
@@ -4640,7 +4760,7 @@
           <a:p>
             <a:r>
               <a:rPr lang="en-AU" dirty="0"/>
-              <a:t>I ran the StandardScaler For both the Decision Tree and Random Forest models to </a:t>
+              <a:t>I ran the StandardScaler for both the Decision Tree and Random Forest models to </a:t>
             </a:r>
             <a:r>
               <a:rPr lang="en-US" b="0" i="0" dirty="0">
@@ -4931,7 +5051,7 @@
                 <a:effectLst/>
                 <a:latin typeface="Consolas" panose="020B0609020204030204" pitchFamily="49" charset="0"/>
               </a:rPr>
-              <a:t>While this is an acceptable score some further training would be required in to order to hopefully reach a better result.</a:t>
+              <a:t>While this is an acceptable score some further training would be required in to order to hopefully achieve a better result.</a:t>
             </a:r>
             <a:endParaRPr lang="en-US" b="0" dirty="0">
               <a:solidFill>
@@ -4951,6 +5071,23 @@
             </a:endParaRPr>
           </a:p>
           <a:p>
+            <a:pPr marL="0" marR="0" lvl="0" indent="0" algn="l" defTabSz="914400" rtl="0" eaLnBrk="1" fontAlgn="auto" latinLnBrk="0" hangingPunct="1">
+              <a:lnSpc>
+                <a:spcPct val="100000"/>
+              </a:lnSpc>
+              <a:spcBef>
+                <a:spcPts val="0"/>
+              </a:spcBef>
+              <a:spcAft>
+                <a:spcPts val="0"/>
+              </a:spcAft>
+              <a:buClrTx/>
+              <a:buSzTx/>
+              <a:buFontTx/>
+              <a:buNone/>
+              <a:tabLst/>
+              <a:defRPr/>
+            </a:pPr>
             <a:r>
               <a:rPr lang="en-US" b="0" dirty="0">
                 <a:solidFill>
@@ -4959,7 +5096,83 @@
                 <a:effectLst/>
                 <a:latin typeface="Consolas" panose="020B0609020204030204" pitchFamily="49" charset="0"/>
               </a:rPr>
-              <a:t>This could be achieved by taking a deeper look into the original data to ensure that the dataset is clean, free of outliers, and contains sufficient instances for training. Gathering more data, if feasible, can also enhance the model's performance.</a:t>
+              <a:t>This could be achieved by taking a deeper look into the original data to ensure that the dataset is clean, free of outliers, and contains sufficient instances for training. </a:t>
+            </a:r>
+          </a:p>
+          <a:p>
+            <a:pPr marL="0" marR="0" lvl="0" indent="0" algn="l" defTabSz="914400" rtl="0" eaLnBrk="1" fontAlgn="auto" latinLnBrk="0" hangingPunct="1">
+              <a:lnSpc>
+                <a:spcPct val="100000"/>
+              </a:lnSpc>
+              <a:spcBef>
+                <a:spcPts val="0"/>
+              </a:spcBef>
+              <a:spcAft>
+                <a:spcPts val="0"/>
+              </a:spcAft>
+              <a:buClrTx/>
+              <a:buSzTx/>
+              <a:buFontTx/>
+              <a:buNone/>
+              <a:tabLst/>
+              <a:defRPr/>
+            </a:pPr>
+            <a:endParaRPr lang="en-US" b="0" dirty="0">
+              <a:solidFill>
+                <a:srgbClr val="CCCCCC"/>
+              </a:solidFill>
+              <a:effectLst/>
+              <a:latin typeface="Consolas" panose="020B0609020204030204" pitchFamily="49" charset="0"/>
+            </a:endParaRPr>
+          </a:p>
+          <a:p>
+            <a:pPr marL="0" marR="0" lvl="0" indent="0" algn="l" defTabSz="914400" rtl="0" eaLnBrk="1" fontAlgn="auto" latinLnBrk="0" hangingPunct="1">
+              <a:lnSpc>
+                <a:spcPct val="100000"/>
+              </a:lnSpc>
+              <a:spcBef>
+                <a:spcPts val="0"/>
+              </a:spcBef>
+              <a:spcAft>
+                <a:spcPts val="0"/>
+              </a:spcAft>
+              <a:buClrTx/>
+              <a:buSzTx/>
+              <a:buFontTx/>
+              <a:buNone/>
+              <a:tabLst/>
+              <a:defRPr/>
+            </a:pPr>
+            <a:r>
+              <a:rPr lang="en-US" b="0" dirty="0">
+                <a:solidFill>
+                  <a:srgbClr val="CCCCCC"/>
+                </a:solidFill>
+                <a:effectLst/>
+                <a:latin typeface="Consolas" panose="020B0609020204030204" pitchFamily="49" charset="0"/>
+              </a:rPr>
+              <a:t>Possibly removing further columns such as the Date columns.</a:t>
+            </a:r>
+          </a:p>
+          <a:p>
+            <a:endParaRPr lang="en-US" b="0" dirty="0">
+              <a:solidFill>
+                <a:srgbClr val="CCCCCC"/>
+              </a:solidFill>
+              <a:effectLst/>
+              <a:latin typeface="Consolas" panose="020B0609020204030204" pitchFamily="49" charset="0"/>
+            </a:endParaRPr>
+          </a:p>
+          <a:p>
+            <a:r>
+              <a:rPr lang="en-US" b="0" dirty="0">
+                <a:solidFill>
+                  <a:srgbClr val="CCCCCC"/>
+                </a:solidFill>
+                <a:effectLst/>
+                <a:latin typeface="Consolas" panose="020B0609020204030204" pitchFamily="49" charset="0"/>
+              </a:rPr>
+              <a:t>Gathering more data, if feasible, can also enhance the model's performance.</a:t>
             </a:r>
           </a:p>
           <a:p>
@@ -5442,7 +5655,7 @@
           <a:p>
             <a:fld id="{48A87A34-81AB-432B-8DAE-1953F412C126}" type="datetimeFigureOut">
               <a:rPr lang="en-US" dirty="0"/>
-              <a:t>5/30/2023</a:t>
+              <a:t>5/31/2023</a:t>
             </a:fld>
             <a:endParaRPr lang="en-US" dirty="0"/>
           </a:p>
@@ -5648,7 +5861,7 @@
           <a:p>
             <a:fld id="{48A87A34-81AB-432B-8DAE-1953F412C126}" type="datetimeFigureOut">
               <a:rPr lang="en-US" dirty="0"/>
-              <a:t>5/30/2023</a:t>
+              <a:t>5/31/2023</a:t>
             </a:fld>
             <a:endParaRPr lang="en-US" dirty="0"/>
           </a:p>
@@ -5858,7 +6071,7 @@
           <a:p>
             <a:fld id="{48A87A34-81AB-432B-8DAE-1953F412C126}" type="datetimeFigureOut">
               <a:rPr lang="en-US" dirty="0"/>
-              <a:t>5/30/2023</a:t>
+              <a:t>5/31/2023</a:t>
             </a:fld>
             <a:endParaRPr lang="en-US" dirty="0"/>
           </a:p>
@@ -6054,7 +6267,7 @@
           <a:p>
             <a:fld id="{48A87A34-81AB-432B-8DAE-1953F412C126}" type="datetimeFigureOut">
               <a:rPr lang="en-US" dirty="0"/>
-              <a:t>5/30/2023</a:t>
+              <a:t>5/31/2023</a:t>
             </a:fld>
             <a:endParaRPr lang="en-US" dirty="0"/>
           </a:p>
@@ -6328,7 +6541,7 @@
           <a:p>
             <a:fld id="{48A87A34-81AB-432B-8DAE-1953F412C126}" type="datetimeFigureOut">
               <a:rPr lang="en-US" dirty="0"/>
-              <a:t>5/30/2023</a:t>
+              <a:t>5/31/2023</a:t>
             </a:fld>
             <a:endParaRPr lang="en-US" dirty="0"/>
           </a:p>
@@ -6591,7 +6804,7 @@
           <a:p>
             <a:fld id="{48A87A34-81AB-432B-8DAE-1953F412C126}" type="datetimeFigureOut">
               <a:rPr lang="en-US" dirty="0"/>
-              <a:t>5/30/2023</a:t>
+              <a:t>5/31/2023</a:t>
             </a:fld>
             <a:endParaRPr lang="en-US" dirty="0"/>
           </a:p>
@@ -7002,7 +7215,7 @@
           <a:p>
             <a:fld id="{48A87A34-81AB-432B-8DAE-1953F412C126}" type="datetimeFigureOut">
               <a:rPr lang="en-US" dirty="0"/>
-              <a:t>5/30/2023</a:t>
+              <a:t>5/31/2023</a:t>
             </a:fld>
             <a:endParaRPr lang="en-US" dirty="0"/>
           </a:p>
@@ -7146,7 +7359,7 @@
           <a:p>
             <a:fld id="{48A87A34-81AB-432B-8DAE-1953F412C126}" type="datetimeFigureOut">
               <a:rPr lang="en-US" dirty="0"/>
-              <a:t>5/30/2023</a:t>
+              <a:t>5/31/2023</a:t>
             </a:fld>
             <a:endParaRPr lang="en-US" dirty="0"/>
           </a:p>
@@ -7267,7 +7480,7 @@
           <a:p>
             <a:fld id="{48A87A34-81AB-432B-8DAE-1953F412C126}" type="datetimeFigureOut">
               <a:rPr lang="en-US" dirty="0"/>
-              <a:t>5/30/2023</a:t>
+              <a:t>5/31/2023</a:t>
             </a:fld>
             <a:endParaRPr lang="en-US" dirty="0"/>
           </a:p>
@@ -7513,7 +7726,7 @@
           <a:p>
             <a:fld id="{48A87A34-81AB-432B-8DAE-1953F412C126}" type="datetimeFigureOut">
               <a:rPr lang="en-US" dirty="0"/>
-              <a:t>5/30/2023</a:t>
+              <a:t>5/31/2023</a:t>
             </a:fld>
             <a:endParaRPr lang="en-US" dirty="0"/>
           </a:p>
@@ -7954,7 +8167,7 @@
             <a:fld id="{48A87A34-81AB-432B-8DAE-1953F412C126}" type="datetimeFigureOut">
               <a:rPr lang="en-US" dirty="0"/>
               <a:pPr/>
-              <a:t>5/30/2023</a:t>
+              <a:t>5/31/2023</a:t>
             </a:fld>
             <a:endParaRPr lang="en-US" dirty="0"/>
           </a:p>
@@ -8277,7 +8490,7 @@
             <a:fld id="{48A87A34-81AB-432B-8DAE-1953F412C126}" type="datetimeFigureOut">
               <a:rPr lang="en-US" dirty="0"/>
               <a:pPr/>
-              <a:t>5/30/2023</a:t>
+              <a:t>5/31/2023</a:t>
             </a:fld>
             <a:endParaRPr lang="en-US" dirty="0"/>
           </a:p>
@@ -11349,10 +11562,15 @@
           <a:lstStyle/>
           <a:p>
             <a:r>
-              <a:rPr lang="en-AU"/>
+              <a:rPr lang="en-AU" dirty="0"/>
+              <a:t>Thank you for your time. </a:t>
+            </a:r>
+          </a:p>
+          <a:p>
+            <a:r>
+              <a:rPr lang="en-AU" dirty="0"/>
               <a:t>Any questions??</a:t>
             </a:r>
-            <a:endParaRPr lang="en-AU" dirty="0"/>
           </a:p>
         </p:txBody>
       </p:sp>

--- a/Exploring perth house prices.pptx
+++ b/Exploring perth house prices.pptx
@@ -3650,7 +3650,7 @@
           <a:p>
             <a:fld id="{C044FC31-B28D-47B3-AEBC-64ECB8F8BE2D}" type="datetimeFigureOut">
               <a:rPr lang="en-AU" smtClean="0"/>
-              <a:t>31/05/2023</a:t>
+              <a:t>1/06/2023</a:t>
             </a:fld>
             <a:endParaRPr lang="en-AU"/>
           </a:p>
@@ -5655,7 +5655,7 @@
           <a:p>
             <a:fld id="{48A87A34-81AB-432B-8DAE-1953F412C126}" type="datetimeFigureOut">
               <a:rPr lang="en-US" dirty="0"/>
-              <a:t>5/31/2023</a:t>
+              <a:t>6/1/2023</a:t>
             </a:fld>
             <a:endParaRPr lang="en-US" dirty="0"/>
           </a:p>
@@ -5861,7 +5861,7 @@
           <a:p>
             <a:fld id="{48A87A34-81AB-432B-8DAE-1953F412C126}" type="datetimeFigureOut">
               <a:rPr lang="en-US" dirty="0"/>
-              <a:t>5/31/2023</a:t>
+              <a:t>6/1/2023</a:t>
             </a:fld>
             <a:endParaRPr lang="en-US" dirty="0"/>
           </a:p>
@@ -6071,7 +6071,7 @@
           <a:p>
             <a:fld id="{48A87A34-81AB-432B-8DAE-1953F412C126}" type="datetimeFigureOut">
               <a:rPr lang="en-US" dirty="0"/>
-              <a:t>5/31/2023</a:t>
+              <a:t>6/1/2023</a:t>
             </a:fld>
             <a:endParaRPr lang="en-US" dirty="0"/>
           </a:p>
@@ -6267,7 +6267,7 @@
           <a:p>
             <a:fld id="{48A87A34-81AB-432B-8DAE-1953F412C126}" type="datetimeFigureOut">
               <a:rPr lang="en-US" dirty="0"/>
-              <a:t>5/31/2023</a:t>
+              <a:t>6/1/2023</a:t>
             </a:fld>
             <a:endParaRPr lang="en-US" dirty="0"/>
           </a:p>
@@ -6541,7 +6541,7 @@
           <a:p>
             <a:fld id="{48A87A34-81AB-432B-8DAE-1953F412C126}" type="datetimeFigureOut">
               <a:rPr lang="en-US" dirty="0"/>
-              <a:t>5/31/2023</a:t>
+              <a:t>6/1/2023</a:t>
             </a:fld>
             <a:endParaRPr lang="en-US" dirty="0"/>
           </a:p>
@@ -6804,7 +6804,7 @@
           <a:p>
             <a:fld id="{48A87A34-81AB-432B-8DAE-1953F412C126}" type="datetimeFigureOut">
               <a:rPr lang="en-US" dirty="0"/>
-              <a:t>5/31/2023</a:t>
+              <a:t>6/1/2023</a:t>
             </a:fld>
             <a:endParaRPr lang="en-US" dirty="0"/>
           </a:p>
@@ -7215,7 +7215,7 @@
           <a:p>
             <a:fld id="{48A87A34-81AB-432B-8DAE-1953F412C126}" type="datetimeFigureOut">
               <a:rPr lang="en-US" dirty="0"/>
-              <a:t>5/31/2023</a:t>
+              <a:t>6/1/2023</a:t>
             </a:fld>
             <a:endParaRPr lang="en-US" dirty="0"/>
           </a:p>
@@ -7359,7 +7359,7 @@
           <a:p>
             <a:fld id="{48A87A34-81AB-432B-8DAE-1953F412C126}" type="datetimeFigureOut">
               <a:rPr lang="en-US" dirty="0"/>
-              <a:t>5/31/2023</a:t>
+              <a:t>6/1/2023</a:t>
             </a:fld>
             <a:endParaRPr lang="en-US" dirty="0"/>
           </a:p>
@@ -7480,7 +7480,7 @@
           <a:p>
             <a:fld id="{48A87A34-81AB-432B-8DAE-1953F412C126}" type="datetimeFigureOut">
               <a:rPr lang="en-US" dirty="0"/>
-              <a:t>5/31/2023</a:t>
+              <a:t>6/1/2023</a:t>
             </a:fld>
             <a:endParaRPr lang="en-US" dirty="0"/>
           </a:p>
@@ -7726,7 +7726,7 @@
           <a:p>
             <a:fld id="{48A87A34-81AB-432B-8DAE-1953F412C126}" type="datetimeFigureOut">
               <a:rPr lang="en-US" dirty="0"/>
-              <a:t>5/31/2023</a:t>
+              <a:t>6/1/2023</a:t>
             </a:fld>
             <a:endParaRPr lang="en-US" dirty="0"/>
           </a:p>
@@ -8167,7 +8167,7 @@
             <a:fld id="{48A87A34-81AB-432B-8DAE-1953F412C126}" type="datetimeFigureOut">
               <a:rPr lang="en-US" dirty="0"/>
               <a:pPr/>
-              <a:t>5/31/2023</a:t>
+              <a:t>6/1/2023</a:t>
             </a:fld>
             <a:endParaRPr lang="en-US" dirty="0"/>
           </a:p>
@@ -8490,7 +8490,7 @@
             <a:fld id="{48A87A34-81AB-432B-8DAE-1953F412C126}" type="datetimeFigureOut">
               <a:rPr lang="en-US" dirty="0"/>
               <a:pPr/>
-              <a:t>5/31/2023</a:t>
+              <a:t>6/1/2023</a:t>
             </a:fld>
             <a:endParaRPr lang="en-US" dirty="0"/>
           </a:p>
